--- a/images/Figure.pptx
+++ b/images/Figure.pptx
@@ -8,7 +8,7 @@
     <p:notesMasterId r:id="rId3"/>
   </p:notesMasterIdLst>
   <p:sldIdLst>
-    <p:sldId id="276" r:id="rId2"/>
+    <p:sldId id="277" r:id="rId2"/>
   </p:sldIdLst>
   <p:sldSz cx="9144000" cy="6858000" type="screen4x3"/>
   <p:notesSz cx="6797675" cy="9926638"/>
@@ -192,7 +192,8 @@
           <a:p>
             <a:fld id="{B128444A-E8C5-4F0C-BB3E-6DC882EFD45E}" type="datetimeFigureOut">
               <a:rPr kumimoji="1" lang="ja-JP" altLang="en-US" smtClean="0"/>
-              <a:t>2014/1/16</a:t>
+              <a:pPr/>
+              <a:t>2014/1/22</a:t>
             </a:fld>
             <a:endParaRPr kumimoji="1" lang="ja-JP" altLang="en-US"/>
           </a:p>
@@ -383,7 +384,8 @@
           <a:p>
             <a:fld id="{EE7F2843-F50C-4879-82F9-A6814A7226D0}" type="slidenum">
               <a:rPr kumimoji="1" lang="ja-JP" altLang="en-US" smtClean="0"/>
-              <a:t>‹#›</a:t>
+              <a:pPr/>
+              <a:t>&lt;#&gt;</a:t>
             </a:fld>
             <a:endParaRPr kumimoji="1" lang="ja-JP" altLang="en-US"/>
           </a:p>
@@ -392,7 +394,7 @@
     </p:spTree>
     <p:extLst>
       <p:ext uri="{BB962C8B-B14F-4D97-AF65-F5344CB8AC3E}">
-        <p14:creationId xmlns:p14="http://schemas.microsoft.com/office/powerpoint/2010/main" val="3005601502"/>
+        <p14:creationId xmlns:p14="http://schemas.microsoft.com/office/powerpoint/2010/main" xmlns="" val="3005601502"/>
       </p:ext>
     </p:extLst>
   </p:cSld>
@@ -673,7 +675,8 @@
           <a:p>
             <a:fld id="{98CA5088-1DB9-45F3-9CA5-1754A7FC21E2}" type="datetime1">
               <a:rPr kumimoji="1" lang="ja-JP" altLang="en-US" smtClean="0"/>
-              <a:t>2014/1/16</a:t>
+              <a:pPr/>
+              <a:t>2014/1/22</a:t>
             </a:fld>
             <a:endParaRPr kumimoji="1" lang="ja-JP" altLang="en-US"/>
           </a:p>
@@ -731,7 +734,8 @@
           <a:p>
             <a:fld id="{687E511A-E7F9-4652-98E8-6F55839A4EC9}" type="slidenum">
               <a:rPr kumimoji="1" lang="ja-JP" altLang="en-US" smtClean="0"/>
-              <a:t>‹#›</a:t>
+              <a:pPr/>
+              <a:t>&lt;#&gt;</a:t>
             </a:fld>
             <a:endParaRPr kumimoji="1" lang="ja-JP" altLang="en-US"/>
           </a:p>
@@ -740,7 +744,7 @@
     </p:spTree>
     <p:extLst>
       <p:ext uri="{BB962C8B-B14F-4D97-AF65-F5344CB8AC3E}">
-        <p14:creationId xmlns:p14="http://schemas.microsoft.com/office/powerpoint/2010/main" val="4288202189"/>
+        <p14:creationId xmlns:p14="http://schemas.microsoft.com/office/powerpoint/2010/main" xmlns="" val="4288202189"/>
       </p:ext>
     </p:extLst>
   </p:cSld>
@@ -898,7 +902,8 @@
           <a:p>
             <a:fld id="{F08598D1-33B5-4C12-8533-694C8278BD99}" type="datetime1">
               <a:rPr kumimoji="1" lang="ja-JP" altLang="en-US" smtClean="0"/>
-              <a:t>2014/1/16</a:t>
+              <a:pPr/>
+              <a:t>2014/1/22</a:t>
             </a:fld>
             <a:endParaRPr kumimoji="1" lang="ja-JP" altLang="en-US"/>
           </a:p>
@@ -956,7 +961,8 @@
           <a:p>
             <a:fld id="{687E511A-E7F9-4652-98E8-6F55839A4EC9}" type="slidenum">
               <a:rPr kumimoji="1" lang="ja-JP" altLang="en-US" smtClean="0"/>
-              <a:t>‹#›</a:t>
+              <a:pPr/>
+              <a:t>&lt;#&gt;</a:t>
             </a:fld>
             <a:endParaRPr kumimoji="1" lang="ja-JP" altLang="en-US"/>
           </a:p>
@@ -965,7 +971,7 @@
     </p:spTree>
     <p:extLst>
       <p:ext uri="{BB962C8B-B14F-4D97-AF65-F5344CB8AC3E}">
-        <p14:creationId xmlns:p14="http://schemas.microsoft.com/office/powerpoint/2010/main" val="1267076410"/>
+        <p14:creationId xmlns:p14="http://schemas.microsoft.com/office/powerpoint/2010/main" xmlns="" val="1267076410"/>
       </p:ext>
     </p:extLst>
   </p:cSld>
@@ -1126,7 +1132,8 @@
           <a:p>
             <a:fld id="{365CFD91-A1FD-4041-8CAD-56BAB71044E2}" type="datetime1">
               <a:rPr kumimoji="1" lang="ja-JP" altLang="en-US" smtClean="0"/>
-              <a:t>2014/1/16</a:t>
+              <a:pPr/>
+              <a:t>2014/1/22</a:t>
             </a:fld>
             <a:endParaRPr kumimoji="1" lang="ja-JP" altLang="en-US"/>
           </a:p>
@@ -1184,7 +1191,8 @@
           <a:p>
             <a:fld id="{687E511A-E7F9-4652-98E8-6F55839A4EC9}" type="slidenum">
               <a:rPr kumimoji="1" lang="ja-JP" altLang="en-US" smtClean="0"/>
-              <a:t>‹#›</a:t>
+              <a:pPr/>
+              <a:t>&lt;#&gt;</a:t>
             </a:fld>
             <a:endParaRPr kumimoji="1" lang="ja-JP" altLang="en-US"/>
           </a:p>
@@ -1193,7 +1201,7 @@
     </p:spTree>
     <p:extLst>
       <p:ext uri="{BB962C8B-B14F-4D97-AF65-F5344CB8AC3E}">
-        <p14:creationId xmlns:p14="http://schemas.microsoft.com/office/powerpoint/2010/main" val="131169351"/>
+        <p14:creationId xmlns:p14="http://schemas.microsoft.com/office/powerpoint/2010/main" xmlns="" val="131169351"/>
       </p:ext>
     </p:extLst>
   </p:cSld>
@@ -1360,7 +1368,8 @@
           <a:p>
             <a:fld id="{D5DA7B09-BD3A-4232-ACF7-EE15780F0CC0}" type="datetime1">
               <a:rPr kumimoji="1" lang="ja-JP" altLang="en-US" smtClean="0"/>
-              <a:t>2014/1/16</a:t>
+              <a:pPr/>
+              <a:t>2014/1/22</a:t>
             </a:fld>
             <a:endParaRPr kumimoji="1" lang="ja-JP" altLang="en-US"/>
           </a:p>
@@ -1418,7 +1427,8 @@
           <a:p>
             <a:fld id="{687E511A-E7F9-4652-98E8-6F55839A4EC9}" type="slidenum">
               <a:rPr kumimoji="1" lang="ja-JP" altLang="en-US" smtClean="0"/>
-              <a:t>‹#›</a:t>
+              <a:pPr/>
+              <a:t>&lt;#&gt;</a:t>
             </a:fld>
             <a:endParaRPr kumimoji="1" lang="ja-JP" altLang="en-US"/>
           </a:p>
@@ -1427,7 +1437,7 @@
     </p:spTree>
     <p:extLst>
       <p:ext uri="{BB962C8B-B14F-4D97-AF65-F5344CB8AC3E}">
-        <p14:creationId xmlns:p14="http://schemas.microsoft.com/office/powerpoint/2010/main" val="2965433282"/>
+        <p14:creationId xmlns:p14="http://schemas.microsoft.com/office/powerpoint/2010/main" xmlns="" val="2965433282"/>
       </p:ext>
     </p:extLst>
   </p:cSld>
@@ -1629,7 +1639,8 @@
           <a:p>
             <a:fld id="{0D0D1810-8CDE-4EB3-A610-E546E3279C42}" type="datetime1">
               <a:rPr kumimoji="1" lang="ja-JP" altLang="en-US" smtClean="0"/>
-              <a:t>2014/1/16</a:t>
+              <a:pPr/>
+              <a:t>2014/1/22</a:t>
             </a:fld>
             <a:endParaRPr kumimoji="1" lang="ja-JP" altLang="en-US"/>
           </a:p>
@@ -1687,7 +1698,8 @@
           <a:p>
             <a:fld id="{687E511A-E7F9-4652-98E8-6F55839A4EC9}" type="slidenum">
               <a:rPr kumimoji="1" lang="ja-JP" altLang="en-US" smtClean="0"/>
-              <a:t>‹#›</a:t>
+              <a:pPr/>
+              <a:t>&lt;#&gt;</a:t>
             </a:fld>
             <a:endParaRPr kumimoji="1" lang="ja-JP" altLang="en-US"/>
           </a:p>
@@ -1696,7 +1708,7 @@
     </p:spTree>
     <p:extLst>
       <p:ext uri="{BB962C8B-B14F-4D97-AF65-F5344CB8AC3E}">
-        <p14:creationId xmlns:p14="http://schemas.microsoft.com/office/powerpoint/2010/main" val="3905738892"/>
+        <p14:creationId xmlns:p14="http://schemas.microsoft.com/office/powerpoint/2010/main" xmlns="" val="3905738892"/>
       </p:ext>
     </p:extLst>
   </p:cSld>
@@ -2004,7 +2016,8 @@
           <a:p>
             <a:fld id="{5F510316-3E58-4FB0-A691-69A3A53E6EA4}" type="datetime1">
               <a:rPr kumimoji="1" lang="ja-JP" altLang="en-US" smtClean="0"/>
-              <a:t>2014/1/16</a:t>
+              <a:pPr/>
+              <a:t>2014/1/22</a:t>
             </a:fld>
             <a:endParaRPr kumimoji="1" lang="ja-JP" altLang="en-US"/>
           </a:p>
@@ -2062,7 +2075,8 @@
           <a:p>
             <a:fld id="{687E511A-E7F9-4652-98E8-6F55839A4EC9}" type="slidenum">
               <a:rPr kumimoji="1" lang="ja-JP" altLang="en-US" smtClean="0"/>
-              <a:t>‹#›</a:t>
+              <a:pPr/>
+              <a:t>&lt;#&gt;</a:t>
             </a:fld>
             <a:endParaRPr kumimoji="1" lang="ja-JP" altLang="en-US"/>
           </a:p>
@@ -2071,7 +2085,7 @@
     </p:spTree>
     <p:extLst>
       <p:ext uri="{BB962C8B-B14F-4D97-AF65-F5344CB8AC3E}">
-        <p14:creationId xmlns:p14="http://schemas.microsoft.com/office/powerpoint/2010/main" val="3210205056"/>
+        <p14:creationId xmlns:p14="http://schemas.microsoft.com/office/powerpoint/2010/main" xmlns="" val="3210205056"/>
       </p:ext>
     </p:extLst>
   </p:cSld>
@@ -2513,7 +2527,8 @@
           <a:p>
             <a:fld id="{D343C661-5868-4D02-BEA3-E5C82AC3A65B}" type="datetime1">
               <a:rPr kumimoji="1" lang="ja-JP" altLang="en-US" smtClean="0"/>
-              <a:t>2014/1/16</a:t>
+              <a:pPr/>
+              <a:t>2014/1/22</a:t>
             </a:fld>
             <a:endParaRPr kumimoji="1" lang="ja-JP" altLang="en-US"/>
           </a:p>
@@ -2571,7 +2586,8 @@
           <a:p>
             <a:fld id="{687E511A-E7F9-4652-98E8-6F55839A4EC9}" type="slidenum">
               <a:rPr kumimoji="1" lang="ja-JP" altLang="en-US" smtClean="0"/>
-              <a:t>‹#›</a:t>
+              <a:pPr/>
+              <a:t>&lt;#&gt;</a:t>
             </a:fld>
             <a:endParaRPr kumimoji="1" lang="ja-JP" altLang="en-US"/>
           </a:p>
@@ -2580,7 +2596,7 @@
     </p:spTree>
     <p:extLst>
       <p:ext uri="{BB962C8B-B14F-4D97-AF65-F5344CB8AC3E}">
-        <p14:creationId xmlns:p14="http://schemas.microsoft.com/office/powerpoint/2010/main" val="342878282"/>
+        <p14:creationId xmlns:p14="http://schemas.microsoft.com/office/powerpoint/2010/main" xmlns="" val="342878282"/>
       </p:ext>
     </p:extLst>
   </p:cSld>
@@ -2647,7 +2663,8 @@
           <a:p>
             <a:fld id="{0F16E0ED-2220-4309-9B14-0B2F39EC8D3F}" type="datetime1">
               <a:rPr kumimoji="1" lang="ja-JP" altLang="en-US" smtClean="0"/>
-              <a:t>2014/1/16</a:t>
+              <a:pPr/>
+              <a:t>2014/1/22</a:t>
             </a:fld>
             <a:endParaRPr kumimoji="1" lang="ja-JP" altLang="en-US"/>
           </a:p>
@@ -2705,7 +2722,8 @@
           <a:p>
             <a:fld id="{687E511A-E7F9-4652-98E8-6F55839A4EC9}" type="slidenum">
               <a:rPr kumimoji="1" lang="ja-JP" altLang="en-US" smtClean="0"/>
-              <a:t>‹#›</a:t>
+              <a:pPr/>
+              <a:t>&lt;#&gt;</a:t>
             </a:fld>
             <a:endParaRPr kumimoji="1" lang="ja-JP" altLang="en-US"/>
           </a:p>
@@ -2714,7 +2732,7 @@
     </p:spTree>
     <p:extLst>
       <p:ext uri="{BB962C8B-B14F-4D97-AF65-F5344CB8AC3E}">
-        <p14:creationId xmlns:p14="http://schemas.microsoft.com/office/powerpoint/2010/main" val="1483256343"/>
+        <p14:creationId xmlns:p14="http://schemas.microsoft.com/office/powerpoint/2010/main" xmlns="" val="1483256343"/>
       </p:ext>
     </p:extLst>
   </p:cSld>
@@ -2758,7 +2776,8 @@
           <a:p>
             <a:fld id="{EA8D104D-606A-43F6-AA93-82E14EED734E}" type="datetime1">
               <a:rPr kumimoji="1" lang="ja-JP" altLang="en-US" smtClean="0"/>
-              <a:t>2014/1/16</a:t>
+              <a:pPr/>
+              <a:t>2014/1/22</a:t>
             </a:fld>
             <a:endParaRPr kumimoji="1" lang="ja-JP" altLang="en-US"/>
           </a:p>
@@ -2816,7 +2835,8 @@
           <a:p>
             <a:fld id="{687E511A-E7F9-4652-98E8-6F55839A4EC9}" type="slidenum">
               <a:rPr kumimoji="1" lang="ja-JP" altLang="en-US" smtClean="0"/>
-              <a:t>‹#›</a:t>
+              <a:pPr/>
+              <a:t>&lt;#&gt;</a:t>
             </a:fld>
             <a:endParaRPr kumimoji="1" lang="ja-JP" altLang="en-US"/>
           </a:p>
@@ -2825,7 +2845,7 @@
     </p:spTree>
     <p:extLst>
       <p:ext uri="{BB962C8B-B14F-4D97-AF65-F5344CB8AC3E}">
-        <p14:creationId xmlns:p14="http://schemas.microsoft.com/office/powerpoint/2010/main" val="1792883849"/>
+        <p14:creationId xmlns:p14="http://schemas.microsoft.com/office/powerpoint/2010/main" xmlns="" val="1792883849"/>
       </p:ext>
     </p:extLst>
   </p:cSld>
@@ -3083,7 +3103,8 @@
           <a:p>
             <a:fld id="{E040285E-52A1-4954-881F-D8D4CC5F7146}" type="datetime1">
               <a:rPr kumimoji="1" lang="ja-JP" altLang="en-US" smtClean="0"/>
-              <a:t>2014/1/16</a:t>
+              <a:pPr/>
+              <a:t>2014/1/22</a:t>
             </a:fld>
             <a:endParaRPr kumimoji="1" lang="ja-JP" altLang="en-US"/>
           </a:p>
@@ -3141,7 +3162,8 @@
           <a:p>
             <a:fld id="{687E511A-E7F9-4652-98E8-6F55839A4EC9}" type="slidenum">
               <a:rPr kumimoji="1" lang="ja-JP" altLang="en-US" smtClean="0"/>
-              <a:t>‹#›</a:t>
+              <a:pPr/>
+              <a:t>&lt;#&gt;</a:t>
             </a:fld>
             <a:endParaRPr kumimoji="1" lang="ja-JP" altLang="en-US"/>
           </a:p>
@@ -3150,7 +3172,7 @@
     </p:spTree>
     <p:extLst>
       <p:ext uri="{BB962C8B-B14F-4D97-AF65-F5344CB8AC3E}">
-        <p14:creationId xmlns:p14="http://schemas.microsoft.com/office/powerpoint/2010/main" val="1110434741"/>
+        <p14:creationId xmlns:p14="http://schemas.microsoft.com/office/powerpoint/2010/main" xmlns="" val="1110434741"/>
       </p:ext>
     </p:extLst>
   </p:cSld>
@@ -3352,7 +3374,8 @@
           <a:p>
             <a:fld id="{F60693A6-EF6E-44B0-A991-A56AB7E0A53E}" type="datetime1">
               <a:rPr kumimoji="1" lang="ja-JP" altLang="en-US" smtClean="0"/>
-              <a:t>2014/1/16</a:t>
+              <a:pPr/>
+              <a:t>2014/1/22</a:t>
             </a:fld>
             <a:endParaRPr kumimoji="1" lang="ja-JP" altLang="en-US"/>
           </a:p>
@@ -3410,7 +3433,8 @@
           <a:p>
             <a:fld id="{687E511A-E7F9-4652-98E8-6F55839A4EC9}" type="slidenum">
               <a:rPr kumimoji="1" lang="ja-JP" altLang="en-US" smtClean="0"/>
-              <a:t>‹#›</a:t>
+              <a:pPr/>
+              <a:t>&lt;#&gt;</a:t>
             </a:fld>
             <a:endParaRPr kumimoji="1" lang="ja-JP" altLang="en-US"/>
           </a:p>
@@ -3419,7 +3443,7 @@
     </p:spTree>
     <p:extLst>
       <p:ext uri="{BB962C8B-B14F-4D97-AF65-F5344CB8AC3E}">
-        <p14:creationId xmlns:p14="http://schemas.microsoft.com/office/powerpoint/2010/main" val="2876252207"/>
+        <p14:creationId xmlns:p14="http://schemas.microsoft.com/office/powerpoint/2010/main" xmlns="" val="2876252207"/>
       </p:ext>
     </p:extLst>
   </p:cSld>
@@ -3614,7 +3638,7 @@
             <a:fld id="{D0B71BB7-16C3-4F6D-AC67-011FF4B5FF73}" type="datetime1">
               <a:rPr lang="ja-JP" altLang="en-US" smtClean="0"/>
               <a:pPr/>
-              <a:t>2014/1/16</a:t>
+              <a:t>2014/1/22</a:t>
             </a:fld>
             <a:endParaRPr lang="ja-JP" altLang="en-US"/>
           </a:p>
@@ -3709,7 +3733,7 @@
             <a:fld id="{687E511A-E7F9-4652-98E8-6F55839A4EC9}" type="slidenum">
               <a:rPr lang="ja-JP" altLang="en-US" smtClean="0"/>
               <a:pPr/>
-              <a:t>‹#›</a:t>
+              <a:t>&lt;#&gt;</a:t>
             </a:fld>
             <a:endParaRPr lang="ja-JP" altLang="en-US"/>
           </a:p>
@@ -3718,7 +3742,7 @@
     </p:spTree>
     <p:extLst>
       <p:ext uri="{BB962C8B-B14F-4D97-AF65-F5344CB8AC3E}">
-        <p14:creationId xmlns:p14="http://schemas.microsoft.com/office/powerpoint/2010/main" val="4127177390"/>
+        <p14:creationId xmlns:p14="http://schemas.microsoft.com/office/powerpoint/2010/main" xmlns="" val="4127177390"/>
       </p:ext>
     </p:extLst>
   </p:cSld>
@@ -4022,8 +4046,8 @@
         </p:nvSpPr>
         <p:spPr bwMode="auto">
           <a:xfrm>
-            <a:off x="2437626" y="1436582"/>
-            <a:ext cx="3655790" cy="2952328"/>
+            <a:off x="1835696" y="404664"/>
+            <a:ext cx="5472608" cy="4032448"/>
           </a:xfrm>
           <a:prstGeom prst="roundRect">
             <a:avLst/>
@@ -4048,7 +4072,7 @@
           </a:fontRef>
         </p:style>
         <p:txBody>
-          <a:bodyPr vert="horz" wrap="square" lIns="91440" tIns="45720" rIns="91440" bIns="45720" numCol="1" rtlCol="0" anchor="t" anchorCtr="0" compatLnSpc="1">
+          <a:bodyPr vert="horz" wrap="square" lIns="91440" tIns="0" rIns="91440" bIns="36000" numCol="1" rtlCol="0" anchor="t" anchorCtr="0" compatLnSpc="1">
             <a:prstTxWarp prst="textNoShape">
               <a:avLst/>
             </a:prstTxWarp>
@@ -4058,40 +4082,40 @@
           <a:p>
             <a:pPr algn="ctr"/>
             <a:r>
-              <a:rPr lang="en-US" altLang="ja-JP" sz="1600" dirty="0" smtClean="0">
+              <a:rPr lang="en-US" altLang="ja-JP" sz="1400" b="1" dirty="0" smtClean="0">
                 <a:solidFill>
                   <a:schemeClr val="tx1"/>
                 </a:solidFill>
-                <a:latin typeface="HGP創英角ｺﾞｼｯｸUB" panose="020B0900000000000000" pitchFamily="50" charset="-128"/>
+                <a:latin typeface="Arial" pitchFamily="34" charset="0"/>
                 <a:ea typeface="HGP創英角ｺﾞｼｯｸUB" panose="020B0900000000000000" pitchFamily="50" charset="-128"/>
               </a:rPr>
               <a:t>Storm</a:t>
             </a:r>
             <a:r>
-              <a:rPr lang="ja-JP" altLang="en-US" sz="1600" dirty="0" smtClean="0">
+              <a:rPr lang="ja-JP" altLang="en-US" sz="1400" b="1" dirty="0" smtClean="0">
                 <a:solidFill>
                   <a:schemeClr val="tx1"/>
                 </a:solidFill>
-                <a:latin typeface="HGP創英角ｺﾞｼｯｸUB" panose="020B0900000000000000" pitchFamily="50" charset="-128"/>
+                <a:latin typeface="Arial" pitchFamily="34" charset="0"/>
                 <a:ea typeface="HGP創英角ｺﾞｼｯｸUB" panose="020B0900000000000000" pitchFamily="50" charset="-128"/>
               </a:rPr>
               <a:t> </a:t>
             </a:r>
             <a:r>
-              <a:rPr lang="en-US" altLang="ja-JP" sz="1600" dirty="0" smtClean="0">
+              <a:rPr lang="en-US" altLang="ja-JP" sz="1400" b="1" dirty="0" smtClean="0">
                 <a:solidFill>
                   <a:schemeClr val="tx1"/>
                 </a:solidFill>
-                <a:latin typeface="HGP創英角ｺﾞｼｯｸUB" panose="020B0900000000000000" pitchFamily="50" charset="-128"/>
+                <a:latin typeface="Arial" pitchFamily="34" charset="0"/>
                 <a:ea typeface="HGP創英角ｺﾞｼｯｸUB" panose="020B0900000000000000" pitchFamily="50" charset="-128"/>
               </a:rPr>
               <a:t>Trident Topology</a:t>
             </a:r>
-            <a:endParaRPr kumimoji="1" lang="ja-JP" altLang="en-US" sz="1600" dirty="0" smtClean="0">
+            <a:endParaRPr kumimoji="1" lang="ja-JP" altLang="en-US" sz="1400" b="1" dirty="0" smtClean="0">
               <a:solidFill>
                 <a:schemeClr val="tx1"/>
               </a:solidFill>
-              <a:latin typeface="HGP創英角ｺﾞｼｯｸUB" panose="020B0900000000000000" pitchFamily="50" charset="-128"/>
+              <a:latin typeface="Arial" pitchFamily="34" charset="0"/>
               <a:ea typeface="HGP創英角ｺﾞｼｯｸUB" panose="020B0900000000000000" pitchFamily="50" charset="-128"/>
             </a:endParaRPr>
           </a:p>
@@ -4126,19 +4150,405 @@
           </a:p>
         </p:txBody>
       </p:sp>
+      <p:sp>
+        <p:nvSpPr>
+          <p:cNvPr id="77" name="円/楕円 76"/>
+          <p:cNvSpPr>
+            <a:spLocks/>
+          </p:cNvSpPr>
+          <p:nvPr/>
+        </p:nvSpPr>
+        <p:spPr bwMode="auto">
+          <a:xfrm>
+            <a:off x="2411760" y="1312193"/>
+            <a:ext cx="792088" cy="648072"/>
+          </a:xfrm>
+          <a:prstGeom prst="ellipse">
+            <a:avLst/>
+          </a:prstGeom>
+          <a:ln>
+            <a:headEnd type="none" w="med" len="med"/>
+            <a:tailEnd type="none" w="med" len="med"/>
+          </a:ln>
+        </p:spPr>
+        <p:style>
+          <a:lnRef idx="1">
+            <a:schemeClr val="accent3"/>
+          </a:lnRef>
+          <a:fillRef idx="3">
+            <a:schemeClr val="accent3"/>
+          </a:fillRef>
+          <a:effectRef idx="2">
+            <a:schemeClr val="accent3"/>
+          </a:effectRef>
+          <a:fontRef idx="minor">
+            <a:schemeClr val="lt1"/>
+          </a:fontRef>
+        </p:style>
+        <p:txBody>
+          <a:bodyPr vert="horz" wrap="square" lIns="91440" tIns="45720" rIns="91440" bIns="45720" numCol="1" rtlCol="0" anchor="ctr" anchorCtr="0" compatLnSpc="1">
+            <a:prstTxWarp prst="textNoShape">
+              <a:avLst/>
+            </a:prstTxWarp>
+            <a:noAutofit/>
+          </a:bodyPr>
+          <a:lstStyle/>
+          <a:p>
+            <a:pPr algn="ctr"/>
+            <a:r>
+              <a:rPr kumimoji="1" lang="ja-JP" altLang="en-US" sz="1050" b="1" dirty="0" smtClean="0">
+                <a:solidFill>
+                  <a:schemeClr val="tx1"/>
+                </a:solidFill>
+                <a:latin typeface="Verdana" pitchFamily="34" charset="0"/>
+                <a:ea typeface="ＭＳ Ｐゴシック" pitchFamily="50" charset="-128"/>
+              </a:rPr>
+              <a:t>データ</a:t>
+            </a:r>
+            <a:r>
+              <a:rPr kumimoji="1" lang="en-US" altLang="ja-JP" sz="1050" b="1" dirty="0" smtClean="0">
+                <a:solidFill>
+                  <a:schemeClr val="tx1"/>
+                </a:solidFill>
+                <a:latin typeface="Verdana" pitchFamily="34" charset="0"/>
+                <a:ea typeface="ＭＳ Ｐゴシック" pitchFamily="50" charset="-128"/>
+              </a:rPr>
+              <a:t/>
+            </a:r>
+            <a:br>
+              <a:rPr kumimoji="1" lang="en-US" altLang="ja-JP" sz="1050" b="1" dirty="0" smtClean="0">
+                <a:solidFill>
+                  <a:schemeClr val="tx1"/>
+                </a:solidFill>
+                <a:latin typeface="Verdana" pitchFamily="34" charset="0"/>
+                <a:ea typeface="ＭＳ Ｐゴシック" pitchFamily="50" charset="-128"/>
+              </a:rPr>
+            </a:br>
+            <a:r>
+              <a:rPr kumimoji="1" lang="ja-JP" altLang="en-US" sz="1050" b="1" dirty="0" smtClean="0">
+                <a:solidFill>
+                  <a:schemeClr val="tx1"/>
+                </a:solidFill>
+                <a:latin typeface="Verdana" pitchFamily="34" charset="0"/>
+                <a:ea typeface="ＭＳ Ｐゴシック" pitchFamily="50" charset="-128"/>
+              </a:rPr>
+              <a:t>取得</a:t>
+            </a:r>
+          </a:p>
+        </p:txBody>
+      </p:sp>
+      <p:sp>
+        <p:nvSpPr>
+          <p:cNvPr id="79" name="角丸四角形 78"/>
+          <p:cNvSpPr/>
+          <p:nvPr/>
+        </p:nvSpPr>
+        <p:spPr>
+          <a:xfrm>
+            <a:off x="2085628" y="880145"/>
+            <a:ext cx="4968552" cy="1656184"/>
+          </a:xfrm>
+          <a:prstGeom prst="roundRect">
+            <a:avLst/>
+          </a:prstGeom>
+          <a:noFill/>
+          <a:ln>
+            <a:solidFill>
+              <a:schemeClr val="accent3">
+                <a:lumMod val="75000"/>
+              </a:schemeClr>
+            </a:solidFill>
+            <a:prstDash val="sysDash"/>
+          </a:ln>
+        </p:spPr>
+        <p:style>
+          <a:lnRef idx="2">
+            <a:schemeClr val="accent1">
+              <a:shade val="50000"/>
+            </a:schemeClr>
+          </a:lnRef>
+          <a:fillRef idx="1">
+            <a:schemeClr val="accent1"/>
+          </a:fillRef>
+          <a:effectRef idx="0">
+            <a:schemeClr val="accent1"/>
+          </a:effectRef>
+          <a:fontRef idx="minor">
+            <a:schemeClr val="lt1"/>
+          </a:fontRef>
+        </p:style>
+        <p:txBody>
+          <a:bodyPr rtlCol="0" anchor="t"/>
+          <a:lstStyle/>
+          <a:p>
+            <a:r>
+              <a:rPr kumimoji="1" lang="ja-JP" altLang="en-US" sz="1200" b="1" dirty="0" smtClean="0">
+                <a:solidFill>
+                  <a:schemeClr val="tx1"/>
+                </a:solidFill>
+              </a:rPr>
+              <a:t>学習ストリーム</a:t>
+            </a:r>
+            <a:endParaRPr kumimoji="1" lang="ja-JP" altLang="en-US" sz="1200" b="1" dirty="0">
+              <a:solidFill>
+                <a:schemeClr val="tx1"/>
+              </a:solidFill>
+            </a:endParaRPr>
+          </a:p>
+        </p:txBody>
+      </p:sp>
+      <p:sp>
+        <p:nvSpPr>
+          <p:cNvPr id="81" name="円/楕円 80"/>
+          <p:cNvSpPr>
+            <a:spLocks/>
+          </p:cNvSpPr>
+          <p:nvPr/>
+        </p:nvSpPr>
+        <p:spPr bwMode="auto">
+          <a:xfrm>
+            <a:off x="4139952" y="1024161"/>
+            <a:ext cx="792088" cy="648072"/>
+          </a:xfrm>
+          <a:prstGeom prst="ellipse">
+            <a:avLst/>
+          </a:prstGeom>
+          <a:ln>
+            <a:headEnd type="none" w="med" len="med"/>
+            <a:tailEnd type="none" w="med" len="med"/>
+          </a:ln>
+        </p:spPr>
+        <p:style>
+          <a:lnRef idx="1">
+            <a:schemeClr val="accent3"/>
+          </a:lnRef>
+          <a:fillRef idx="3">
+            <a:schemeClr val="accent3"/>
+          </a:fillRef>
+          <a:effectRef idx="2">
+            <a:schemeClr val="accent3"/>
+          </a:effectRef>
+          <a:fontRef idx="minor">
+            <a:schemeClr val="lt1"/>
+          </a:fontRef>
+        </p:style>
+        <p:txBody>
+          <a:bodyPr vert="horz" wrap="square" lIns="91440" tIns="45720" rIns="91440" bIns="45720" numCol="1" rtlCol="0" anchor="ctr" anchorCtr="0" compatLnSpc="1">
+            <a:prstTxWarp prst="textNoShape">
+              <a:avLst/>
+            </a:prstTxWarp>
+            <a:noAutofit/>
+          </a:bodyPr>
+          <a:lstStyle/>
+          <a:p>
+            <a:pPr algn="ctr"/>
+            <a:r>
+              <a:rPr kumimoji="1" lang="ja-JP" altLang="en-US" sz="1050" b="1" dirty="0" smtClean="0">
+                <a:solidFill>
+                  <a:schemeClr val="tx1"/>
+                </a:solidFill>
+                <a:latin typeface="Verdana" pitchFamily="34" charset="0"/>
+                <a:ea typeface="ＭＳ Ｐゴシック" pitchFamily="50" charset="-128"/>
+              </a:rPr>
+              <a:t>解析</a:t>
+            </a:r>
+            <a:endParaRPr kumimoji="1" lang="ja-JP" altLang="en-US" sz="1050" b="1" dirty="0" smtClean="0">
+              <a:solidFill>
+                <a:schemeClr val="tx1"/>
+              </a:solidFill>
+              <a:latin typeface="Verdana" pitchFamily="34" charset="0"/>
+              <a:ea typeface="ＭＳ Ｐゴシック" pitchFamily="50" charset="-128"/>
+            </a:endParaRPr>
+          </a:p>
+        </p:txBody>
+      </p:sp>
+      <p:sp>
+        <p:nvSpPr>
+          <p:cNvPr id="82" name="円/楕円 81"/>
+          <p:cNvSpPr>
+            <a:spLocks/>
+          </p:cNvSpPr>
+          <p:nvPr/>
+        </p:nvSpPr>
+        <p:spPr bwMode="auto">
+          <a:xfrm>
+            <a:off x="4139952" y="1744241"/>
+            <a:ext cx="792088" cy="648072"/>
+          </a:xfrm>
+          <a:prstGeom prst="ellipse">
+            <a:avLst/>
+          </a:prstGeom>
+          <a:ln>
+            <a:headEnd type="none" w="med" len="med"/>
+            <a:tailEnd type="none" w="med" len="med"/>
+          </a:ln>
+        </p:spPr>
+        <p:style>
+          <a:lnRef idx="1">
+            <a:schemeClr val="accent3"/>
+          </a:lnRef>
+          <a:fillRef idx="3">
+            <a:schemeClr val="accent3"/>
+          </a:fillRef>
+          <a:effectRef idx="2">
+            <a:schemeClr val="accent3"/>
+          </a:effectRef>
+          <a:fontRef idx="minor">
+            <a:schemeClr val="lt1"/>
+          </a:fontRef>
+        </p:style>
+        <p:txBody>
+          <a:bodyPr vert="horz" wrap="square" lIns="91440" tIns="45720" rIns="91440" bIns="45720" numCol="1" rtlCol="0" anchor="ctr" anchorCtr="0" compatLnSpc="1">
+            <a:prstTxWarp prst="textNoShape">
+              <a:avLst/>
+            </a:prstTxWarp>
+            <a:noAutofit/>
+          </a:bodyPr>
+          <a:lstStyle/>
+          <a:p>
+            <a:pPr algn="ctr"/>
+            <a:r>
+              <a:rPr lang="ja-JP" altLang="en-US" sz="1050" b="1" dirty="0" smtClean="0">
+                <a:solidFill>
+                  <a:schemeClr val="tx1"/>
+                </a:solidFill>
+                <a:latin typeface="Verdana" pitchFamily="34" charset="0"/>
+                <a:ea typeface="ＭＳ Ｐゴシック" pitchFamily="50" charset="-128"/>
+              </a:rPr>
+              <a:t>解析</a:t>
+            </a:r>
+          </a:p>
+        </p:txBody>
+      </p:sp>
+      <p:sp>
+        <p:nvSpPr>
+          <p:cNvPr id="83" name="円/楕円 82"/>
+          <p:cNvSpPr>
+            <a:spLocks/>
+          </p:cNvSpPr>
+          <p:nvPr/>
+        </p:nvSpPr>
+        <p:spPr bwMode="auto">
+          <a:xfrm>
+            <a:off x="5940152" y="1024161"/>
+            <a:ext cx="792088" cy="648072"/>
+          </a:xfrm>
+          <a:prstGeom prst="ellipse">
+            <a:avLst/>
+          </a:prstGeom>
+          <a:ln>
+            <a:headEnd type="none" w="med" len="med"/>
+            <a:tailEnd type="none" w="med" len="med"/>
+          </a:ln>
+        </p:spPr>
+        <p:style>
+          <a:lnRef idx="1">
+            <a:schemeClr val="accent3"/>
+          </a:lnRef>
+          <a:fillRef idx="3">
+            <a:schemeClr val="accent3"/>
+          </a:fillRef>
+          <a:effectRef idx="2">
+            <a:schemeClr val="accent3"/>
+          </a:effectRef>
+          <a:fontRef idx="minor">
+            <a:schemeClr val="lt1"/>
+          </a:fontRef>
+        </p:style>
+        <p:txBody>
+          <a:bodyPr vert="horz" wrap="square" lIns="91440" tIns="45720" rIns="91440" bIns="45720" numCol="1" rtlCol="0" anchor="ctr" anchorCtr="0" compatLnSpc="1">
+            <a:prstTxWarp prst="textNoShape">
+              <a:avLst/>
+            </a:prstTxWarp>
+            <a:noAutofit/>
+          </a:bodyPr>
+          <a:lstStyle/>
+          <a:p>
+            <a:pPr algn="ctr"/>
+            <a:r>
+              <a:rPr lang="ja-JP" altLang="en-US" sz="1050" b="1" dirty="0" smtClean="0">
+                <a:solidFill>
+                  <a:schemeClr val="tx1"/>
+                </a:solidFill>
+                <a:latin typeface="Verdana" pitchFamily="34" charset="0"/>
+                <a:ea typeface="ＭＳ Ｐゴシック" pitchFamily="50" charset="-128"/>
+              </a:rPr>
+              <a:t>解析</a:t>
+            </a:r>
+          </a:p>
+        </p:txBody>
+      </p:sp>
+      <p:sp>
+        <p:nvSpPr>
+          <p:cNvPr id="85" name="円/楕円 84"/>
+          <p:cNvSpPr>
+            <a:spLocks/>
+          </p:cNvSpPr>
+          <p:nvPr/>
+        </p:nvSpPr>
+        <p:spPr bwMode="auto">
+          <a:xfrm>
+            <a:off x="5940152" y="1744241"/>
+            <a:ext cx="792088" cy="648072"/>
+          </a:xfrm>
+          <a:prstGeom prst="ellipse">
+            <a:avLst/>
+          </a:prstGeom>
+          <a:ln>
+            <a:headEnd type="none" w="med" len="med"/>
+            <a:tailEnd type="none" w="med" len="med"/>
+          </a:ln>
+        </p:spPr>
+        <p:style>
+          <a:lnRef idx="1">
+            <a:schemeClr val="accent3"/>
+          </a:lnRef>
+          <a:fillRef idx="3">
+            <a:schemeClr val="accent3"/>
+          </a:fillRef>
+          <a:effectRef idx="2">
+            <a:schemeClr val="accent3"/>
+          </a:effectRef>
+          <a:fontRef idx="minor">
+            <a:schemeClr val="lt1"/>
+          </a:fontRef>
+        </p:style>
+        <p:txBody>
+          <a:bodyPr vert="horz" wrap="square" lIns="91440" tIns="45720" rIns="91440" bIns="45720" numCol="1" rtlCol="0" anchor="ctr" anchorCtr="0" compatLnSpc="1">
+            <a:prstTxWarp prst="textNoShape">
+              <a:avLst/>
+            </a:prstTxWarp>
+            <a:noAutofit/>
+          </a:bodyPr>
+          <a:lstStyle/>
+          <a:p>
+            <a:pPr algn="ctr"/>
+            <a:r>
+              <a:rPr lang="ja-JP" altLang="en-US" sz="1050" b="1" dirty="0" smtClean="0">
+                <a:solidFill>
+                  <a:schemeClr val="tx1"/>
+                </a:solidFill>
+                <a:latin typeface="Verdana" pitchFamily="34" charset="0"/>
+                <a:ea typeface="ＭＳ Ｐゴシック" pitchFamily="50" charset="-128"/>
+              </a:rPr>
+              <a:t>解析</a:t>
+            </a:r>
+          </a:p>
+        </p:txBody>
+      </p:sp>
       <p:cxnSp>
         <p:nvCxnSpPr>
-          <p:cNvPr id="87" name="直線コネクタ 86"/>
+          <p:cNvPr id="86" name="直線コネクタ 85"/>
           <p:cNvCxnSpPr>
-            <a:stCxn id="56" idx="3"/>
-            <a:endCxn id="44" idx="1"/>
+            <a:stCxn id="77" idx="6"/>
+            <a:endCxn id="81" idx="2"/>
           </p:cNvCxnSpPr>
           <p:nvPr/>
         </p:nvCxnSpPr>
         <p:spPr bwMode="auto">
-          <a:xfrm>
-            <a:off x="3409342" y="2373994"/>
-            <a:ext cx="499186" cy="6138"/>
+          <a:xfrm flipV="1">
+            <a:off x="3203848" y="1348197"/>
+            <a:ext cx="936104" cy="288032"/>
           </a:xfrm>
           <a:prstGeom prst="line">
             <a:avLst/>
@@ -4160,17 +4570,17 @@
       </p:cxnSp>
       <p:cxnSp>
         <p:nvCxnSpPr>
-          <p:cNvPr id="129" name="直線コネクタ 128"/>
+          <p:cNvPr id="91" name="直線コネクタ 90"/>
           <p:cNvCxnSpPr>
-            <a:stCxn id="44" idx="3"/>
-            <a:endCxn id="47" idx="1"/>
+            <a:stCxn id="77" idx="6"/>
+            <a:endCxn id="82" idx="2"/>
           </p:cNvCxnSpPr>
           <p:nvPr/>
         </p:nvCxnSpPr>
         <p:spPr bwMode="auto">
           <a:xfrm>
-            <a:off x="4495800" y="2380132"/>
-            <a:ext cx="569048" cy="0"/>
+            <a:off x="3203848" y="1636229"/>
+            <a:ext cx="936104" cy="432048"/>
           </a:xfrm>
           <a:prstGeom prst="line">
             <a:avLst/>
@@ -4190,9 +4600,757 @@
           <a:effectLst/>
         </p:spPr>
       </p:cxnSp>
+      <p:cxnSp>
+        <p:nvCxnSpPr>
+          <p:cNvPr id="94" name="直線コネクタ 93"/>
+          <p:cNvCxnSpPr>
+            <a:stCxn id="81" idx="6"/>
+            <a:endCxn id="83" idx="2"/>
+          </p:cNvCxnSpPr>
+          <p:nvPr/>
+        </p:nvCxnSpPr>
+        <p:spPr bwMode="auto">
+          <a:xfrm>
+            <a:off x="4932040" y="1348197"/>
+            <a:ext cx="1008112" cy="0"/>
+          </a:xfrm>
+          <a:prstGeom prst="line">
+            <a:avLst/>
+          </a:prstGeom>
+          <a:solidFill>
+            <a:srgbClr val="99CCFF"/>
+          </a:solidFill>
+          <a:ln w="38100" cap="flat" cmpd="sng" algn="ctr">
+            <a:solidFill>
+              <a:schemeClr val="tx1"/>
+            </a:solidFill>
+            <a:prstDash val="solid"/>
+            <a:round/>
+            <a:headEnd type="none" w="med" len="med"/>
+            <a:tailEnd type="arrow" w="med" len="med"/>
+          </a:ln>
+          <a:effectLst/>
+        </p:spPr>
+      </p:cxnSp>
+      <p:cxnSp>
+        <p:nvCxnSpPr>
+          <p:cNvPr id="97" name="直線コネクタ 96"/>
+          <p:cNvCxnSpPr>
+            <a:stCxn id="81" idx="6"/>
+            <a:endCxn id="85" idx="2"/>
+          </p:cNvCxnSpPr>
+          <p:nvPr/>
+        </p:nvCxnSpPr>
+        <p:spPr bwMode="auto">
+          <a:xfrm>
+            <a:off x="4932040" y="1348197"/>
+            <a:ext cx="1008112" cy="720080"/>
+          </a:xfrm>
+          <a:prstGeom prst="line">
+            <a:avLst/>
+          </a:prstGeom>
+          <a:solidFill>
+            <a:srgbClr val="99CCFF"/>
+          </a:solidFill>
+          <a:ln w="38100" cap="flat" cmpd="sng" algn="ctr">
+            <a:solidFill>
+              <a:schemeClr val="tx1"/>
+            </a:solidFill>
+            <a:prstDash val="solid"/>
+            <a:round/>
+            <a:headEnd type="none" w="med" len="med"/>
+            <a:tailEnd type="arrow" w="med" len="med"/>
+          </a:ln>
+          <a:effectLst/>
+        </p:spPr>
+      </p:cxnSp>
+      <p:cxnSp>
+        <p:nvCxnSpPr>
+          <p:cNvPr id="100" name="直線コネクタ 99"/>
+          <p:cNvCxnSpPr>
+            <a:stCxn id="82" idx="6"/>
+            <a:endCxn id="85" idx="2"/>
+          </p:cNvCxnSpPr>
+          <p:nvPr/>
+        </p:nvCxnSpPr>
+        <p:spPr bwMode="auto">
+          <a:xfrm>
+            <a:off x="4932040" y="2068277"/>
+            <a:ext cx="1008112" cy="0"/>
+          </a:xfrm>
+          <a:prstGeom prst="line">
+            <a:avLst/>
+          </a:prstGeom>
+          <a:solidFill>
+            <a:srgbClr val="99CCFF"/>
+          </a:solidFill>
+          <a:ln w="38100" cap="flat" cmpd="sng" algn="ctr">
+            <a:solidFill>
+              <a:schemeClr val="tx1"/>
+            </a:solidFill>
+            <a:prstDash val="solid"/>
+            <a:round/>
+            <a:headEnd type="none" w="med" len="med"/>
+            <a:tailEnd type="arrow" w="med" len="med"/>
+          </a:ln>
+          <a:effectLst/>
+        </p:spPr>
+      </p:cxnSp>
+      <p:cxnSp>
+        <p:nvCxnSpPr>
+          <p:cNvPr id="103" name="直線コネクタ 102"/>
+          <p:cNvCxnSpPr>
+            <a:stCxn id="82" idx="6"/>
+            <a:endCxn id="83" idx="2"/>
+          </p:cNvCxnSpPr>
+          <p:nvPr/>
+        </p:nvCxnSpPr>
+        <p:spPr bwMode="auto">
+          <a:xfrm flipV="1">
+            <a:off x="4932040" y="1348197"/>
+            <a:ext cx="1008112" cy="720080"/>
+          </a:xfrm>
+          <a:prstGeom prst="line">
+            <a:avLst/>
+          </a:prstGeom>
+          <a:solidFill>
+            <a:srgbClr val="99CCFF"/>
+          </a:solidFill>
+          <a:ln w="38100" cap="flat" cmpd="sng" algn="ctr">
+            <a:solidFill>
+              <a:schemeClr val="tx1"/>
+            </a:solidFill>
+            <a:prstDash val="solid"/>
+            <a:round/>
+            <a:headEnd type="none" w="med" len="med"/>
+            <a:tailEnd type="arrow" w="med" len="med"/>
+          </a:ln>
+          <a:effectLst/>
+        </p:spPr>
+      </p:cxnSp>
+      <p:sp>
+        <p:nvSpPr>
+          <p:cNvPr id="119" name="円/楕円 118"/>
+          <p:cNvSpPr>
+            <a:spLocks/>
+          </p:cNvSpPr>
+          <p:nvPr/>
+        </p:nvSpPr>
+        <p:spPr bwMode="auto">
+          <a:xfrm>
+            <a:off x="2411760" y="3026668"/>
+            <a:ext cx="792088" cy="648072"/>
+          </a:xfrm>
+          <a:prstGeom prst="ellipse">
+            <a:avLst/>
+          </a:prstGeom>
+          <a:ln>
+            <a:headEnd type="none" w="med" len="med"/>
+            <a:tailEnd type="none" w="med" len="med"/>
+          </a:ln>
+        </p:spPr>
+        <p:style>
+          <a:lnRef idx="1">
+            <a:schemeClr val="accent3"/>
+          </a:lnRef>
+          <a:fillRef idx="3">
+            <a:schemeClr val="accent3"/>
+          </a:fillRef>
+          <a:effectRef idx="2">
+            <a:schemeClr val="accent3"/>
+          </a:effectRef>
+          <a:fontRef idx="minor">
+            <a:schemeClr val="lt1"/>
+          </a:fontRef>
+        </p:style>
+        <p:txBody>
+          <a:bodyPr vert="horz" wrap="square" lIns="91440" tIns="45720" rIns="91440" bIns="45720" numCol="1" rtlCol="0" anchor="ctr" anchorCtr="0" compatLnSpc="1">
+            <a:prstTxWarp prst="textNoShape">
+              <a:avLst/>
+            </a:prstTxWarp>
+            <a:noAutofit/>
+          </a:bodyPr>
+          <a:lstStyle/>
+          <a:p>
+            <a:pPr algn="ctr"/>
+            <a:r>
+              <a:rPr kumimoji="1" lang="ja-JP" altLang="en-US" sz="1050" b="1" dirty="0" smtClean="0">
+                <a:solidFill>
+                  <a:schemeClr val="tx1"/>
+                </a:solidFill>
+                <a:latin typeface="Verdana" pitchFamily="34" charset="0"/>
+                <a:ea typeface="ＭＳ Ｐゴシック" pitchFamily="50" charset="-128"/>
+              </a:rPr>
+              <a:t>データ</a:t>
+            </a:r>
+            <a:r>
+              <a:rPr kumimoji="1" lang="en-US" altLang="ja-JP" sz="1050" b="1" dirty="0" smtClean="0">
+                <a:solidFill>
+                  <a:schemeClr val="tx1"/>
+                </a:solidFill>
+                <a:latin typeface="Verdana" pitchFamily="34" charset="0"/>
+                <a:ea typeface="ＭＳ Ｐゴシック" pitchFamily="50" charset="-128"/>
+              </a:rPr>
+              <a:t/>
+            </a:r>
+            <a:br>
+              <a:rPr kumimoji="1" lang="en-US" altLang="ja-JP" sz="1050" b="1" dirty="0" smtClean="0">
+                <a:solidFill>
+                  <a:schemeClr val="tx1"/>
+                </a:solidFill>
+                <a:latin typeface="Verdana" pitchFamily="34" charset="0"/>
+                <a:ea typeface="ＭＳ Ｐゴシック" pitchFamily="50" charset="-128"/>
+              </a:rPr>
+            </a:br>
+            <a:r>
+              <a:rPr kumimoji="1" lang="ja-JP" altLang="en-US" sz="1050" b="1" dirty="0" smtClean="0">
+                <a:solidFill>
+                  <a:schemeClr val="tx1"/>
+                </a:solidFill>
+                <a:latin typeface="Verdana" pitchFamily="34" charset="0"/>
+                <a:ea typeface="ＭＳ Ｐゴシック" pitchFamily="50" charset="-128"/>
+              </a:rPr>
+              <a:t>取得</a:t>
+            </a:r>
+          </a:p>
+        </p:txBody>
+      </p:sp>
+      <p:sp>
+        <p:nvSpPr>
+          <p:cNvPr id="120" name="角丸四角形 119"/>
+          <p:cNvSpPr/>
+          <p:nvPr/>
+        </p:nvSpPr>
+        <p:spPr>
+          <a:xfrm>
+            <a:off x="2085628" y="2594620"/>
+            <a:ext cx="4968552" cy="1656184"/>
+          </a:xfrm>
+          <a:prstGeom prst="roundRect">
+            <a:avLst/>
+          </a:prstGeom>
+          <a:noFill/>
+          <a:ln>
+            <a:solidFill>
+              <a:schemeClr val="accent3">
+                <a:lumMod val="75000"/>
+              </a:schemeClr>
+            </a:solidFill>
+            <a:prstDash val="sysDash"/>
+          </a:ln>
+        </p:spPr>
+        <p:style>
+          <a:lnRef idx="2">
+            <a:schemeClr val="accent1">
+              <a:shade val="50000"/>
+            </a:schemeClr>
+          </a:lnRef>
+          <a:fillRef idx="1">
+            <a:schemeClr val="accent1"/>
+          </a:fillRef>
+          <a:effectRef idx="0">
+            <a:schemeClr val="accent1"/>
+          </a:effectRef>
+          <a:fontRef idx="minor">
+            <a:schemeClr val="lt1"/>
+          </a:fontRef>
+        </p:style>
+        <p:txBody>
+          <a:bodyPr rtlCol="0" anchor="t"/>
+          <a:lstStyle/>
+          <a:p>
+            <a:r>
+              <a:rPr kumimoji="1" lang="ja-JP" altLang="en-US" sz="1200" b="1" dirty="0" smtClean="0">
+                <a:solidFill>
+                  <a:schemeClr val="tx1"/>
+                </a:solidFill>
+              </a:rPr>
+              <a:t>評価ストリーム</a:t>
+            </a:r>
+            <a:endParaRPr kumimoji="1" lang="ja-JP" altLang="en-US" sz="1200" b="1" dirty="0">
+              <a:solidFill>
+                <a:schemeClr val="tx1"/>
+              </a:solidFill>
+            </a:endParaRPr>
+          </a:p>
+        </p:txBody>
+      </p:sp>
+      <p:sp>
+        <p:nvSpPr>
+          <p:cNvPr id="121" name="円/楕円 120"/>
+          <p:cNvSpPr>
+            <a:spLocks/>
+          </p:cNvSpPr>
+          <p:nvPr/>
+        </p:nvSpPr>
+        <p:spPr bwMode="auto">
+          <a:xfrm>
+            <a:off x="4139952" y="2738636"/>
+            <a:ext cx="792088" cy="648072"/>
+          </a:xfrm>
+          <a:prstGeom prst="ellipse">
+            <a:avLst/>
+          </a:prstGeom>
+          <a:ln>
+            <a:headEnd type="none" w="med" len="med"/>
+            <a:tailEnd type="none" w="med" len="med"/>
+          </a:ln>
+        </p:spPr>
+        <p:style>
+          <a:lnRef idx="1">
+            <a:schemeClr val="accent3"/>
+          </a:lnRef>
+          <a:fillRef idx="3">
+            <a:schemeClr val="accent3"/>
+          </a:fillRef>
+          <a:effectRef idx="2">
+            <a:schemeClr val="accent3"/>
+          </a:effectRef>
+          <a:fontRef idx="minor">
+            <a:schemeClr val="lt1"/>
+          </a:fontRef>
+        </p:style>
+        <p:txBody>
+          <a:bodyPr vert="horz" wrap="square" lIns="91440" tIns="45720" rIns="91440" bIns="45720" numCol="1" rtlCol="0" anchor="ctr" anchorCtr="0" compatLnSpc="1">
+            <a:prstTxWarp prst="textNoShape">
+              <a:avLst/>
+            </a:prstTxWarp>
+            <a:noAutofit/>
+          </a:bodyPr>
+          <a:lstStyle/>
+          <a:p>
+            <a:pPr algn="ctr"/>
+            <a:r>
+              <a:rPr kumimoji="1" lang="ja-JP" altLang="en-US" sz="1050" b="1" dirty="0" smtClean="0">
+                <a:solidFill>
+                  <a:schemeClr val="tx1"/>
+                </a:solidFill>
+                <a:latin typeface="Verdana" pitchFamily="34" charset="0"/>
+                <a:ea typeface="ＭＳ Ｐゴシック" pitchFamily="50" charset="-128"/>
+              </a:rPr>
+              <a:t>解析</a:t>
+            </a:r>
+            <a:endParaRPr kumimoji="1" lang="ja-JP" altLang="en-US" sz="1050" b="1" dirty="0" smtClean="0">
+              <a:solidFill>
+                <a:schemeClr val="tx1"/>
+              </a:solidFill>
+              <a:latin typeface="Verdana" pitchFamily="34" charset="0"/>
+              <a:ea typeface="ＭＳ Ｐゴシック" pitchFamily="50" charset="-128"/>
+            </a:endParaRPr>
+          </a:p>
+        </p:txBody>
+      </p:sp>
+      <p:sp>
+        <p:nvSpPr>
+          <p:cNvPr id="122" name="円/楕円 121"/>
+          <p:cNvSpPr>
+            <a:spLocks/>
+          </p:cNvSpPr>
+          <p:nvPr/>
+        </p:nvSpPr>
+        <p:spPr bwMode="auto">
+          <a:xfrm>
+            <a:off x="4139952" y="3458716"/>
+            <a:ext cx="792088" cy="648072"/>
+          </a:xfrm>
+          <a:prstGeom prst="ellipse">
+            <a:avLst/>
+          </a:prstGeom>
+          <a:ln>
+            <a:headEnd type="none" w="med" len="med"/>
+            <a:tailEnd type="none" w="med" len="med"/>
+          </a:ln>
+        </p:spPr>
+        <p:style>
+          <a:lnRef idx="1">
+            <a:schemeClr val="accent3"/>
+          </a:lnRef>
+          <a:fillRef idx="3">
+            <a:schemeClr val="accent3"/>
+          </a:fillRef>
+          <a:effectRef idx="2">
+            <a:schemeClr val="accent3"/>
+          </a:effectRef>
+          <a:fontRef idx="minor">
+            <a:schemeClr val="lt1"/>
+          </a:fontRef>
+        </p:style>
+        <p:txBody>
+          <a:bodyPr vert="horz" wrap="square" lIns="91440" tIns="45720" rIns="91440" bIns="45720" numCol="1" rtlCol="0" anchor="ctr" anchorCtr="0" compatLnSpc="1">
+            <a:prstTxWarp prst="textNoShape">
+              <a:avLst/>
+            </a:prstTxWarp>
+            <a:noAutofit/>
+          </a:bodyPr>
+          <a:lstStyle/>
+          <a:p>
+            <a:pPr algn="ctr"/>
+            <a:r>
+              <a:rPr lang="ja-JP" altLang="en-US" sz="1050" b="1" dirty="0" smtClean="0">
+                <a:solidFill>
+                  <a:schemeClr val="tx1"/>
+                </a:solidFill>
+                <a:latin typeface="Verdana" pitchFamily="34" charset="0"/>
+                <a:ea typeface="ＭＳ Ｐゴシック" pitchFamily="50" charset="-128"/>
+              </a:rPr>
+              <a:t>解析</a:t>
+            </a:r>
+          </a:p>
+        </p:txBody>
+      </p:sp>
+      <p:sp>
+        <p:nvSpPr>
+          <p:cNvPr id="123" name="円/楕円 122"/>
+          <p:cNvSpPr>
+            <a:spLocks/>
+          </p:cNvSpPr>
+          <p:nvPr/>
+        </p:nvSpPr>
+        <p:spPr bwMode="auto">
+          <a:xfrm>
+            <a:off x="5940152" y="2738636"/>
+            <a:ext cx="792088" cy="648072"/>
+          </a:xfrm>
+          <a:prstGeom prst="ellipse">
+            <a:avLst/>
+          </a:prstGeom>
+          <a:ln>
+            <a:headEnd type="none" w="med" len="med"/>
+            <a:tailEnd type="none" w="med" len="med"/>
+          </a:ln>
+        </p:spPr>
+        <p:style>
+          <a:lnRef idx="1">
+            <a:schemeClr val="accent3"/>
+          </a:lnRef>
+          <a:fillRef idx="3">
+            <a:schemeClr val="accent3"/>
+          </a:fillRef>
+          <a:effectRef idx="2">
+            <a:schemeClr val="accent3"/>
+          </a:effectRef>
+          <a:fontRef idx="minor">
+            <a:schemeClr val="lt1"/>
+          </a:fontRef>
+        </p:style>
+        <p:txBody>
+          <a:bodyPr vert="horz" wrap="square" lIns="91440" tIns="45720" rIns="91440" bIns="45720" numCol="1" rtlCol="0" anchor="ctr" anchorCtr="0" compatLnSpc="1">
+            <a:prstTxWarp prst="textNoShape">
+              <a:avLst/>
+            </a:prstTxWarp>
+            <a:noAutofit/>
+          </a:bodyPr>
+          <a:lstStyle/>
+          <a:p>
+            <a:pPr algn="ctr"/>
+            <a:r>
+              <a:rPr lang="ja-JP" altLang="en-US" sz="1050" b="1" dirty="0" smtClean="0">
+                <a:solidFill>
+                  <a:schemeClr val="tx1"/>
+                </a:solidFill>
+                <a:latin typeface="Verdana" pitchFamily="34" charset="0"/>
+                <a:ea typeface="ＭＳ Ｐゴシック" pitchFamily="50" charset="-128"/>
+              </a:rPr>
+              <a:t>解析</a:t>
+            </a:r>
+          </a:p>
+        </p:txBody>
+      </p:sp>
+      <p:sp>
+        <p:nvSpPr>
+          <p:cNvPr id="124" name="円/楕円 123"/>
+          <p:cNvSpPr>
+            <a:spLocks/>
+          </p:cNvSpPr>
+          <p:nvPr/>
+        </p:nvSpPr>
+        <p:spPr bwMode="auto">
+          <a:xfrm>
+            <a:off x="5940152" y="3458716"/>
+            <a:ext cx="792088" cy="648072"/>
+          </a:xfrm>
+          <a:prstGeom prst="ellipse">
+            <a:avLst/>
+          </a:prstGeom>
+          <a:ln>
+            <a:headEnd type="none" w="med" len="med"/>
+            <a:tailEnd type="none" w="med" len="med"/>
+          </a:ln>
+        </p:spPr>
+        <p:style>
+          <a:lnRef idx="1">
+            <a:schemeClr val="accent3"/>
+          </a:lnRef>
+          <a:fillRef idx="3">
+            <a:schemeClr val="accent3"/>
+          </a:fillRef>
+          <a:effectRef idx="2">
+            <a:schemeClr val="accent3"/>
+          </a:effectRef>
+          <a:fontRef idx="minor">
+            <a:schemeClr val="lt1"/>
+          </a:fontRef>
+        </p:style>
+        <p:txBody>
+          <a:bodyPr vert="horz" wrap="square" lIns="91440" tIns="45720" rIns="91440" bIns="45720" numCol="1" rtlCol="0" anchor="ctr" anchorCtr="0" compatLnSpc="1">
+            <a:prstTxWarp prst="textNoShape">
+              <a:avLst/>
+            </a:prstTxWarp>
+            <a:noAutofit/>
+          </a:bodyPr>
+          <a:lstStyle/>
+          <a:p>
+            <a:pPr algn="ctr"/>
+            <a:r>
+              <a:rPr lang="ja-JP" altLang="en-US" sz="1050" b="1" dirty="0" smtClean="0">
+                <a:solidFill>
+                  <a:schemeClr val="tx1"/>
+                </a:solidFill>
+                <a:latin typeface="Verdana" pitchFamily="34" charset="0"/>
+                <a:ea typeface="ＭＳ Ｐゴシック" pitchFamily="50" charset="-128"/>
+              </a:rPr>
+              <a:t>解析</a:t>
+            </a:r>
+          </a:p>
+        </p:txBody>
+      </p:sp>
+      <p:cxnSp>
+        <p:nvCxnSpPr>
+          <p:cNvPr id="125" name="直線コネクタ 124"/>
+          <p:cNvCxnSpPr>
+            <a:stCxn id="119" idx="6"/>
+            <a:endCxn id="121" idx="2"/>
+          </p:cNvCxnSpPr>
+          <p:nvPr/>
+        </p:nvCxnSpPr>
+        <p:spPr bwMode="auto">
+          <a:xfrm flipV="1">
+            <a:off x="3203848" y="3062672"/>
+            <a:ext cx="936104" cy="288032"/>
+          </a:xfrm>
+          <a:prstGeom prst="line">
+            <a:avLst/>
+          </a:prstGeom>
+          <a:solidFill>
+            <a:srgbClr val="99CCFF"/>
+          </a:solidFill>
+          <a:ln w="38100" cap="flat" cmpd="sng" algn="ctr">
+            <a:solidFill>
+              <a:schemeClr val="tx1"/>
+            </a:solidFill>
+            <a:prstDash val="solid"/>
+            <a:round/>
+            <a:headEnd type="none" w="med" len="med"/>
+            <a:tailEnd type="arrow" w="med" len="med"/>
+          </a:ln>
+          <a:effectLst/>
+        </p:spPr>
+      </p:cxnSp>
+      <p:cxnSp>
+        <p:nvCxnSpPr>
+          <p:cNvPr id="126" name="直線コネクタ 125"/>
+          <p:cNvCxnSpPr>
+            <a:stCxn id="119" idx="6"/>
+            <a:endCxn id="122" idx="2"/>
+          </p:cNvCxnSpPr>
+          <p:nvPr/>
+        </p:nvCxnSpPr>
+        <p:spPr bwMode="auto">
+          <a:xfrm>
+            <a:off x="3203848" y="3350704"/>
+            <a:ext cx="936104" cy="432048"/>
+          </a:xfrm>
+          <a:prstGeom prst="line">
+            <a:avLst/>
+          </a:prstGeom>
+          <a:solidFill>
+            <a:srgbClr val="99CCFF"/>
+          </a:solidFill>
+          <a:ln w="38100" cap="flat" cmpd="sng" algn="ctr">
+            <a:solidFill>
+              <a:schemeClr val="tx1"/>
+            </a:solidFill>
+            <a:prstDash val="solid"/>
+            <a:round/>
+            <a:headEnd type="none" w="med" len="med"/>
+            <a:tailEnd type="arrow" w="med" len="med"/>
+          </a:ln>
+          <a:effectLst/>
+        </p:spPr>
+      </p:cxnSp>
+      <p:cxnSp>
+        <p:nvCxnSpPr>
+          <p:cNvPr id="127" name="直線コネクタ 126"/>
+          <p:cNvCxnSpPr>
+            <a:stCxn id="121" idx="6"/>
+            <a:endCxn id="123" idx="2"/>
+          </p:cNvCxnSpPr>
+          <p:nvPr/>
+        </p:nvCxnSpPr>
+        <p:spPr bwMode="auto">
+          <a:xfrm>
+            <a:off x="4932040" y="3062672"/>
+            <a:ext cx="1008112" cy="0"/>
+          </a:xfrm>
+          <a:prstGeom prst="line">
+            <a:avLst/>
+          </a:prstGeom>
+          <a:solidFill>
+            <a:srgbClr val="99CCFF"/>
+          </a:solidFill>
+          <a:ln w="38100" cap="flat" cmpd="sng" algn="ctr">
+            <a:solidFill>
+              <a:schemeClr val="tx1"/>
+            </a:solidFill>
+            <a:prstDash val="solid"/>
+            <a:round/>
+            <a:headEnd type="none" w="med" len="med"/>
+            <a:tailEnd type="arrow" w="med" len="med"/>
+          </a:ln>
+          <a:effectLst/>
+        </p:spPr>
+      </p:cxnSp>
+      <p:cxnSp>
+        <p:nvCxnSpPr>
+          <p:cNvPr id="128" name="直線コネクタ 127"/>
+          <p:cNvCxnSpPr>
+            <a:stCxn id="121" idx="6"/>
+            <a:endCxn id="124" idx="2"/>
+          </p:cNvCxnSpPr>
+          <p:nvPr/>
+        </p:nvCxnSpPr>
+        <p:spPr bwMode="auto">
+          <a:xfrm>
+            <a:off x="4932040" y="3062672"/>
+            <a:ext cx="1008112" cy="720080"/>
+          </a:xfrm>
+          <a:prstGeom prst="line">
+            <a:avLst/>
+          </a:prstGeom>
+          <a:solidFill>
+            <a:srgbClr val="99CCFF"/>
+          </a:solidFill>
+          <a:ln w="38100" cap="flat" cmpd="sng" algn="ctr">
+            <a:solidFill>
+              <a:schemeClr val="tx1"/>
+            </a:solidFill>
+            <a:prstDash val="solid"/>
+            <a:round/>
+            <a:headEnd type="none" w="med" len="med"/>
+            <a:tailEnd type="arrow" w="med" len="med"/>
+          </a:ln>
+          <a:effectLst/>
+        </p:spPr>
+      </p:cxnSp>
+      <p:cxnSp>
+        <p:nvCxnSpPr>
+          <p:cNvPr id="130" name="直線コネクタ 129"/>
+          <p:cNvCxnSpPr>
+            <a:stCxn id="122" idx="6"/>
+            <a:endCxn id="124" idx="2"/>
+          </p:cNvCxnSpPr>
+          <p:nvPr/>
+        </p:nvCxnSpPr>
+        <p:spPr bwMode="auto">
+          <a:xfrm>
+            <a:off x="4932040" y="3782752"/>
+            <a:ext cx="1008112" cy="0"/>
+          </a:xfrm>
+          <a:prstGeom prst="line">
+            <a:avLst/>
+          </a:prstGeom>
+          <a:solidFill>
+            <a:srgbClr val="99CCFF"/>
+          </a:solidFill>
+          <a:ln w="38100" cap="flat" cmpd="sng" algn="ctr">
+            <a:solidFill>
+              <a:schemeClr val="tx1"/>
+            </a:solidFill>
+            <a:prstDash val="solid"/>
+            <a:round/>
+            <a:headEnd type="none" w="med" len="med"/>
+            <a:tailEnd type="arrow" w="med" len="med"/>
+          </a:ln>
+          <a:effectLst/>
+        </p:spPr>
+      </p:cxnSp>
+      <p:cxnSp>
+        <p:nvCxnSpPr>
+          <p:cNvPr id="131" name="直線コネクタ 130"/>
+          <p:cNvCxnSpPr>
+            <a:stCxn id="122" idx="6"/>
+            <a:endCxn id="123" idx="2"/>
+          </p:cNvCxnSpPr>
+          <p:nvPr/>
+        </p:nvCxnSpPr>
+        <p:spPr bwMode="auto">
+          <a:xfrm flipV="1">
+            <a:off x="4932040" y="3062672"/>
+            <a:ext cx="1008112" cy="720080"/>
+          </a:xfrm>
+          <a:prstGeom prst="line">
+            <a:avLst/>
+          </a:prstGeom>
+          <a:solidFill>
+            <a:srgbClr val="99CCFF"/>
+          </a:solidFill>
+          <a:ln w="38100" cap="flat" cmpd="sng" algn="ctr">
+            <a:solidFill>
+              <a:schemeClr val="tx1"/>
+            </a:solidFill>
+            <a:prstDash val="solid"/>
+            <a:round/>
+            <a:headEnd type="none" w="med" len="med"/>
+            <a:tailEnd type="arrow" w="med" len="med"/>
+          </a:ln>
+          <a:effectLst/>
+        </p:spPr>
+      </p:cxnSp>
+      <p:sp>
+        <p:nvSpPr>
+          <p:cNvPr id="141" name="右カーブ矢印 140"/>
+          <p:cNvSpPr/>
+          <p:nvPr/>
+        </p:nvSpPr>
+        <p:spPr>
+          <a:xfrm rot="19772649">
+            <a:off x="1397138" y="1809128"/>
+            <a:ext cx="868339" cy="576064"/>
+          </a:xfrm>
+          <a:prstGeom prst="curvedRightArrow">
+            <a:avLst/>
+          </a:prstGeom>
+        </p:spPr>
+        <p:style>
+          <a:lnRef idx="1">
+            <a:schemeClr val="accent4"/>
+          </a:lnRef>
+          <a:fillRef idx="3">
+            <a:schemeClr val="accent4"/>
+          </a:fillRef>
+          <a:effectRef idx="2">
+            <a:schemeClr val="accent4"/>
+          </a:effectRef>
+          <a:fontRef idx="minor">
+            <a:schemeClr val="lt1"/>
+          </a:fontRef>
+        </p:style>
+        <p:txBody>
+          <a:bodyPr rtlCol="0" anchor="ctr"/>
+          <a:lstStyle/>
+          <a:p>
+            <a:pPr algn="ctr"/>
+            <a:endParaRPr kumimoji="1" lang="ja-JP" altLang="en-US">
+              <a:solidFill>
+                <a:schemeClr val="tx1"/>
+              </a:solidFill>
+            </a:endParaRPr>
+          </a:p>
+        </p:txBody>
+      </p:sp>
       <p:pic>
         <p:nvPicPr>
-          <p:cNvPr id="44" name="Picture 4"/>
+          <p:cNvPr id="142" name="Picture 22"/>
           <p:cNvPicPr>
             <a:picLocks noChangeAspect="1" noChangeArrowheads="1"/>
           </p:cNvPicPr>
@@ -4207,298 +5365,8 @@
         </p:blipFill>
         <p:spPr bwMode="auto">
           <a:xfrm>
-            <a:off x="3908528" y="2070373"/>
-            <a:ext cx="587272" cy="619517"/>
-          </a:xfrm>
-          <a:prstGeom prst="rect">
-            <a:avLst/>
-          </a:prstGeom>
-          <a:ln>
-            <a:noFill/>
-          </a:ln>
-          <a:effectLst>
-            <a:outerShdw blurRad="190500" algn="tl" rotWithShape="0">
-              <a:srgbClr val="000000">
-                <a:alpha val="70000"/>
-              </a:srgbClr>
-            </a:outerShdw>
-          </a:effectLst>
-        </p:spPr>
-      </p:pic>
-      <p:pic>
-        <p:nvPicPr>
-          <p:cNvPr id="47" name="Picture 4"/>
-          <p:cNvPicPr>
-            <a:picLocks noChangeAspect="1" noChangeArrowheads="1"/>
-          </p:cNvPicPr>
-          <p:nvPr/>
-        </p:nvPicPr>
-        <p:blipFill>
-          <a:blip r:embed="rId2" cstate="print"/>
-          <a:srcRect/>
-          <a:stretch>
-            <a:fillRect/>
-          </a:stretch>
-        </p:blipFill>
-        <p:spPr bwMode="auto">
-          <a:xfrm>
-            <a:off x="5064848" y="2070373"/>
-            <a:ext cx="587272" cy="619517"/>
-          </a:xfrm>
-          <a:prstGeom prst="rect">
-            <a:avLst/>
-          </a:prstGeom>
-          <a:ln>
-            <a:noFill/>
-          </a:ln>
-          <a:effectLst>
-            <a:outerShdw blurRad="190500" algn="tl" rotWithShape="0">
-              <a:srgbClr val="000000">
-                <a:alpha val="70000"/>
-              </a:srgbClr>
-            </a:outerShdw>
-          </a:effectLst>
-        </p:spPr>
-      </p:pic>
-      <p:pic>
-        <p:nvPicPr>
-          <p:cNvPr id="56" name="Picture 3"/>
-          <p:cNvPicPr>
-            <a:picLocks noChangeAspect="1" noChangeArrowheads="1"/>
-          </p:cNvPicPr>
-          <p:nvPr/>
-        </p:nvPicPr>
-        <p:blipFill>
-          <a:blip r:embed="rId3" cstate="print"/>
-          <a:srcRect/>
-          <a:stretch>
-            <a:fillRect/>
-          </a:stretch>
-        </p:blipFill>
-        <p:spPr bwMode="auto">
-          <a:xfrm>
-            <a:off x="2717935" y="2039093"/>
-            <a:ext cx="691407" cy="669801"/>
-          </a:xfrm>
-          <a:prstGeom prst="rect">
-            <a:avLst/>
-          </a:prstGeom>
-          <a:ln>
-            <a:noFill/>
-          </a:ln>
-          <a:effectLst>
-            <a:outerShdw blurRad="190500" algn="tl" rotWithShape="0">
-              <a:srgbClr val="000000">
-                <a:alpha val="70000"/>
-              </a:srgbClr>
-            </a:outerShdw>
-          </a:effectLst>
-        </p:spPr>
-      </p:pic>
-      <p:sp>
-        <p:nvSpPr>
-          <p:cNvPr id="62" name="角丸四角形 61"/>
-          <p:cNvSpPr/>
-          <p:nvPr/>
-        </p:nvSpPr>
-        <p:spPr bwMode="auto">
-          <a:xfrm>
-            <a:off x="624470" y="2420888"/>
-            <a:ext cx="1715282" cy="1068203"/>
-          </a:xfrm>
-          <a:prstGeom prst="roundRect">
-            <a:avLst/>
-          </a:prstGeom>
-          <a:ln>
-            <a:headEnd type="none" w="med" len="med"/>
-            <a:tailEnd type="none" w="med" len="med"/>
-          </a:ln>
-        </p:spPr>
-        <p:style>
-          <a:lnRef idx="1">
-            <a:schemeClr val="accent6"/>
-          </a:lnRef>
-          <a:fillRef idx="2">
-            <a:schemeClr val="accent6"/>
-          </a:fillRef>
-          <a:effectRef idx="1">
-            <a:schemeClr val="accent6"/>
-          </a:effectRef>
-          <a:fontRef idx="minor">
-            <a:schemeClr val="dk1"/>
-          </a:fontRef>
-        </p:style>
-        <p:txBody>
-          <a:bodyPr vert="horz" wrap="square" lIns="91440" tIns="45720" rIns="91440" bIns="45720" numCol="1" rtlCol="0" anchor="t" anchorCtr="0" compatLnSpc="1">
-            <a:prstTxWarp prst="textNoShape">
-              <a:avLst/>
-            </a:prstTxWarp>
-            <a:noAutofit/>
-          </a:bodyPr>
-          <a:lstStyle/>
-          <a:p>
-            <a:pPr algn="ctr"/>
-            <a:r>
-              <a:rPr kumimoji="1" lang="en-US" altLang="ja-JP" sz="1600" dirty="0" smtClean="0">
-                <a:solidFill>
-                  <a:schemeClr val="tx1"/>
-                </a:solidFill>
-                <a:latin typeface="HGP創英角ｺﾞｼｯｸUB" panose="020B0900000000000000" pitchFamily="50" charset="-128"/>
-                <a:ea typeface="HGP創英角ｺﾞｼｯｸUB" panose="020B0900000000000000" pitchFamily="50" charset="-128"/>
-              </a:rPr>
-              <a:t>Apache Kafka</a:t>
-            </a:r>
-          </a:p>
-        </p:txBody>
-      </p:sp>
-      <p:sp>
-        <p:nvSpPr>
-          <p:cNvPr id="52" name="円/楕円 51"/>
-          <p:cNvSpPr/>
-          <p:nvPr/>
-        </p:nvSpPr>
-        <p:spPr bwMode="auto">
-          <a:xfrm>
-            <a:off x="2038811" y="2734048"/>
-            <a:ext cx="199407" cy="216025"/>
-          </a:xfrm>
-          <a:prstGeom prst="ellipse">
-            <a:avLst/>
-          </a:prstGeom>
-          <a:ln>
-            <a:headEnd type="none" w="med" len="med"/>
-            <a:tailEnd type="none" w="med" len="med"/>
-          </a:ln>
-        </p:spPr>
-        <p:style>
-          <a:lnRef idx="1">
-            <a:schemeClr val="accent6"/>
-          </a:lnRef>
-          <a:fillRef idx="3">
-            <a:schemeClr val="accent6"/>
-          </a:fillRef>
-          <a:effectRef idx="2">
-            <a:schemeClr val="accent6"/>
-          </a:effectRef>
-          <a:fontRef idx="minor">
-            <a:schemeClr val="lt1"/>
-          </a:fontRef>
-        </p:style>
-        <p:txBody>
-          <a:bodyPr vert="horz" wrap="square" lIns="91440" tIns="45720" rIns="91440" bIns="45720" numCol="1" rtlCol="0" anchor="ctr" anchorCtr="0" compatLnSpc="1">
-            <a:prstTxWarp prst="textNoShape">
-              <a:avLst/>
-            </a:prstTxWarp>
-            <a:noAutofit/>
-          </a:bodyPr>
-          <a:lstStyle/>
-          <a:p>
-            <a:pPr algn="ctr"/>
-            <a:endParaRPr kumimoji="1" lang="ja-JP" altLang="en-US" sz="1400" dirty="0" smtClean="0">
-              <a:solidFill>
-                <a:schemeClr val="tx1"/>
-              </a:solidFill>
-              <a:latin typeface="HGP創英角ｺﾞｼｯｸUB" panose="020B0900000000000000" pitchFamily="50" charset="-128"/>
-              <a:ea typeface="HGP創英角ｺﾞｼｯｸUB" panose="020B0900000000000000" pitchFamily="50" charset="-128"/>
-            </a:endParaRPr>
-          </a:p>
-        </p:txBody>
-      </p:sp>
-      <p:cxnSp>
-        <p:nvCxnSpPr>
-          <p:cNvPr id="53" name="直線コネクタ 52"/>
-          <p:cNvCxnSpPr>
-            <a:stCxn id="52" idx="6"/>
-            <a:endCxn id="56" idx="1"/>
-          </p:cNvCxnSpPr>
-          <p:nvPr/>
-        </p:nvCxnSpPr>
-        <p:spPr bwMode="auto">
-          <a:xfrm flipV="1">
-            <a:off x="2238218" y="2373994"/>
-            <a:ext cx="479717" cy="468067"/>
-          </a:xfrm>
-          <a:prstGeom prst="line">
-            <a:avLst/>
-          </a:prstGeom>
-          <a:solidFill>
-            <a:srgbClr val="99CCFF"/>
-          </a:solidFill>
-          <a:ln w="38100" cap="flat" cmpd="sng" algn="ctr">
-            <a:solidFill>
-              <a:schemeClr val="tx1"/>
-            </a:solidFill>
-            <a:prstDash val="solid"/>
-            <a:round/>
-            <a:headEnd type="none" w="med" len="med"/>
-            <a:tailEnd type="none" w="med" len="med"/>
-          </a:ln>
-          <a:effectLst/>
-        </p:spPr>
-      </p:cxnSp>
-      <p:sp>
-        <p:nvSpPr>
-          <p:cNvPr id="68" name="テキスト ボックス 67"/>
-          <p:cNvSpPr txBox="1"/>
-          <p:nvPr/>
-        </p:nvSpPr>
-        <p:spPr>
-          <a:xfrm>
-            <a:off x="2398647" y="2663549"/>
-            <a:ext cx="1310931" cy="276999"/>
-          </a:xfrm>
-          <a:prstGeom prst="rect">
-            <a:avLst/>
-          </a:prstGeom>
-          <a:noFill/>
-        </p:spPr>
-        <p:txBody>
-          <a:bodyPr wrap="square" rtlCol="0">
-            <a:spAutoFit/>
-          </a:bodyPr>
-          <a:lstStyle/>
-          <a:p>
-            <a:pPr algn="ctr"/>
-            <a:r>
-              <a:rPr lang="ja-JP" altLang="en-US" sz="1200" dirty="0" smtClean="0">
-                <a:latin typeface="HGP創英角ｺﾞｼｯｸUB" pitchFamily="50" charset="-128"/>
-                <a:ea typeface="HGP創英角ｺﾞｼｯｸUB" pitchFamily="50" charset="-128"/>
-              </a:rPr>
-              <a:t>データ取得</a:t>
-            </a:r>
-            <a:r>
-              <a:rPr lang="en-US" altLang="ja-JP" sz="1200" dirty="0" smtClean="0">
-                <a:latin typeface="HGP創英角ｺﾞｼｯｸUB" pitchFamily="50" charset="-128"/>
-                <a:ea typeface="HGP創英角ｺﾞｼｯｸUB" pitchFamily="50" charset="-128"/>
-              </a:rPr>
-              <a:t>Spout</a:t>
-            </a:r>
-            <a:endParaRPr kumimoji="1" lang="ja-JP" altLang="en-US" sz="1200" dirty="0">
-              <a:latin typeface="HGP創英角ｺﾞｼｯｸUB" pitchFamily="50" charset="-128"/>
-              <a:ea typeface="HGP創英角ｺﾞｼｯｸUB" pitchFamily="50" charset="-128"/>
-            </a:endParaRPr>
-          </a:p>
-        </p:txBody>
-      </p:sp>
-      <p:pic>
-        <p:nvPicPr>
-          <p:cNvPr id="41" name="Picture 22"/>
-          <p:cNvPicPr>
-            <a:picLocks noChangeAspect="1" noChangeArrowheads="1"/>
-          </p:cNvPicPr>
-          <p:nvPr/>
-        </p:nvPicPr>
-        <p:blipFill>
-          <a:blip r:embed="rId4" cstate="print"/>
-          <a:srcRect/>
-          <a:stretch>
-            <a:fillRect/>
-          </a:stretch>
-        </p:blipFill>
-        <p:spPr bwMode="auto">
-          <a:xfrm>
-            <a:off x="997026" y="1384547"/>
-            <a:ext cx="576064" cy="734636"/>
+            <a:off x="395536" y="2132856"/>
+            <a:ext cx="745459" cy="950660"/>
           </a:xfrm>
           <a:prstGeom prst="rect">
             <a:avLst/>
@@ -4514,21 +5382,21 @@
       </p:pic>
       <p:grpSp>
         <p:nvGrpSpPr>
-          <p:cNvPr id="37" name="グループ化 36"/>
+          <p:cNvPr id="143" name="グループ化 142"/>
           <p:cNvGrpSpPr/>
           <p:nvPr/>
         </p:nvGrpSpPr>
         <p:grpSpPr>
           <a:xfrm>
-            <a:off x="1331640" y="1751259"/>
-            <a:ext cx="432048" cy="381597"/>
+            <a:off x="708947" y="2708919"/>
+            <a:ext cx="576064" cy="569392"/>
             <a:chOff x="2256971" y="3189072"/>
             <a:chExt cx="518433" cy="597621"/>
           </a:xfrm>
         </p:grpSpPr>
         <p:sp>
           <p:nvSpPr>
-            <p:cNvPr id="38" name="メモ 37"/>
+            <p:cNvPr id="144" name="メモ 143"/>
             <p:cNvSpPr/>
             <p:nvPr/>
           </p:nvSpPr>
@@ -4569,7 +5437,7 @@
         </p:sp>
         <p:sp>
           <p:nvSpPr>
-            <p:cNvPr id="39" name="メモ 38"/>
+            <p:cNvPr id="145" name="メモ 144"/>
             <p:cNvSpPr/>
             <p:nvPr/>
           </p:nvSpPr>
@@ -4610,7 +5478,7 @@
         </p:sp>
         <p:sp>
           <p:nvSpPr>
-            <p:cNvPr id="40" name="メモ 39"/>
+            <p:cNvPr id="146" name="メモ 145"/>
             <p:cNvSpPr/>
             <p:nvPr/>
           </p:nvSpPr>
@@ -4652,14 +5520,130 @@
       </p:grpSp>
       <p:sp>
         <p:nvSpPr>
-          <p:cNvPr id="31" name="フローチャート : 磁気ディスク 30"/>
+          <p:cNvPr id="149" name="角丸四角形 148"/>
           <p:cNvSpPr/>
           <p:nvPr/>
         </p:nvSpPr>
         <p:spPr bwMode="auto">
           <a:xfrm>
-            <a:off x="7659194" y="2091228"/>
-            <a:ext cx="864096" cy="550247"/>
+            <a:off x="1835696" y="4941168"/>
+            <a:ext cx="5400600" cy="1293460"/>
+          </a:xfrm>
+          <a:prstGeom prst="roundRect">
+            <a:avLst/>
+          </a:prstGeom>
+          <a:ln>
+            <a:headEnd type="none" w="med" len="med"/>
+            <a:tailEnd type="none" w="med" len="med"/>
+          </a:ln>
+        </p:spPr>
+        <p:style>
+          <a:lnRef idx="1">
+            <a:schemeClr val="accent6"/>
+          </a:lnRef>
+          <a:fillRef idx="2">
+            <a:schemeClr val="accent6"/>
+          </a:fillRef>
+          <a:effectRef idx="1">
+            <a:schemeClr val="accent6"/>
+          </a:effectRef>
+          <a:fontRef idx="minor">
+            <a:schemeClr val="dk1"/>
+          </a:fontRef>
+        </p:style>
+        <p:txBody>
+          <a:bodyPr vert="horz" wrap="square" lIns="91440" tIns="45720" rIns="91440" bIns="45720" numCol="1" rtlCol="0" anchor="t" anchorCtr="0" compatLnSpc="1">
+            <a:prstTxWarp prst="textNoShape">
+              <a:avLst/>
+            </a:prstTxWarp>
+            <a:noAutofit/>
+          </a:bodyPr>
+          <a:lstStyle/>
+          <a:p>
+            <a:pPr algn="ctr"/>
+            <a:r>
+              <a:rPr lang="en-US" altLang="ja-JP" sz="1400" b="1" dirty="0" smtClean="0">
+                <a:solidFill>
+                  <a:schemeClr val="tx1"/>
+                </a:solidFill>
+                <a:latin typeface="Arial" pitchFamily="34" charset="0"/>
+                <a:ea typeface="HGP創英角ｺﾞｼｯｸUB" panose="020B0900000000000000" pitchFamily="50" charset="-128"/>
+              </a:rPr>
+              <a:t>In-Memory </a:t>
+            </a:r>
+            <a:r>
+              <a:rPr lang="en-US" altLang="ja-JP" sz="1400" b="1" dirty="0" smtClean="0">
+                <a:solidFill>
+                  <a:schemeClr val="tx1"/>
+                </a:solidFill>
+                <a:latin typeface="Arial" pitchFamily="34" charset="0"/>
+                <a:ea typeface="HGP創英角ｺﾞｼｯｸUB" panose="020B0900000000000000" pitchFamily="50" charset="-128"/>
+              </a:rPr>
+              <a:t>DB</a:t>
+            </a:r>
+            <a:r>
+              <a:rPr lang="ja-JP" altLang="en-US" sz="1400" b="1" dirty="0" smtClean="0">
+                <a:solidFill>
+                  <a:schemeClr val="tx1"/>
+                </a:solidFill>
+                <a:latin typeface="Arial" pitchFamily="34" charset="0"/>
+                <a:ea typeface="HGP創英角ｺﾞｼｯｸUB" panose="020B0900000000000000" pitchFamily="50" charset="-128"/>
+              </a:rPr>
+              <a:t> （</a:t>
+            </a:r>
+            <a:r>
+              <a:rPr lang="en-US" altLang="ja-JP" sz="1400" b="1" dirty="0" err="1" smtClean="0">
+                <a:solidFill>
+                  <a:schemeClr val="tx1"/>
+                </a:solidFill>
+                <a:latin typeface="Arial" pitchFamily="34" charset="0"/>
+                <a:ea typeface="HGP創英角ｺﾞｼｯｸUB" panose="020B0900000000000000" pitchFamily="50" charset="-128"/>
+              </a:rPr>
+              <a:t>Infinispan</a:t>
+            </a:r>
+            <a:r>
+              <a:rPr lang="ja-JP" altLang="en-US" sz="1400" b="1" dirty="0" smtClean="0">
+                <a:solidFill>
+                  <a:schemeClr val="tx1"/>
+                </a:solidFill>
+                <a:latin typeface="Arial" pitchFamily="34" charset="0"/>
+                <a:ea typeface="HGP創英角ｺﾞｼｯｸUB" panose="020B0900000000000000" pitchFamily="50" charset="-128"/>
+              </a:rPr>
+              <a:t> </a:t>
+            </a:r>
+            <a:r>
+              <a:rPr lang="en-US" altLang="ja-JP" sz="1400" b="1" dirty="0" smtClean="0">
+                <a:solidFill>
+                  <a:schemeClr val="tx1"/>
+                </a:solidFill>
+                <a:latin typeface="Arial" pitchFamily="34" charset="0"/>
+                <a:ea typeface="HGP創英角ｺﾞｼｯｸUB" panose="020B0900000000000000" pitchFamily="50" charset="-128"/>
+              </a:rPr>
+              <a:t>Cluster</a:t>
+            </a:r>
+            <a:r>
+              <a:rPr lang="ja-JP" altLang="en-US" sz="1400" b="1" dirty="0" smtClean="0">
+                <a:solidFill>
+                  <a:schemeClr val="tx1"/>
+                </a:solidFill>
+                <a:latin typeface="Arial" pitchFamily="34" charset="0"/>
+                <a:ea typeface="HGP創英角ｺﾞｼｯｸUB" panose="020B0900000000000000" pitchFamily="50" charset="-128"/>
+              </a:rPr>
+              <a:t>）</a:t>
+            </a:r>
+          </a:p>
+        </p:txBody>
+      </p:sp>
+      <p:sp>
+        <p:nvSpPr>
+          <p:cNvPr id="150" name="フローチャート : 磁気ディスク 149"/>
+          <p:cNvSpPr/>
+          <p:nvPr/>
+        </p:nvSpPr>
+        <p:spPr bwMode="auto">
+          <a:xfrm>
+            <a:off x="2771800" y="5388406"/>
+            <a:ext cx="720080" cy="704890"/>
           </a:xfrm>
           <a:prstGeom prst="flowChartMagneticDisk">
             <a:avLst/>
@@ -4688,7 +5672,7 @@
             <a:prstTxWarp prst="textNoShape">
               <a:avLst/>
             </a:prstTxWarp>
-            <a:spAutoFit/>
+            <a:noAutofit/>
           </a:bodyPr>
           <a:lstStyle/>
           <a:p>
@@ -4703,46 +5687,94 @@
           </a:p>
         </p:txBody>
       </p:sp>
+      <p:sp>
+        <p:nvSpPr>
+          <p:cNvPr id="152" name="上下矢印 151"/>
+          <p:cNvSpPr/>
+          <p:nvPr/>
+        </p:nvSpPr>
+        <p:spPr>
+          <a:xfrm>
+            <a:off x="4274443" y="4456162"/>
+            <a:ext cx="576064" cy="451098"/>
+          </a:xfrm>
+          <a:prstGeom prst="upDownArrow">
+            <a:avLst>
+              <a:gd name="adj1" fmla="val 50000"/>
+              <a:gd name="adj2" fmla="val 25198"/>
+            </a:avLst>
+          </a:prstGeom>
+        </p:spPr>
+        <p:style>
+          <a:lnRef idx="1">
+            <a:schemeClr val="accent6"/>
+          </a:lnRef>
+          <a:fillRef idx="3">
+            <a:schemeClr val="accent6"/>
+          </a:fillRef>
+          <a:effectRef idx="2">
+            <a:schemeClr val="accent6"/>
+          </a:effectRef>
+          <a:fontRef idx="minor">
+            <a:schemeClr val="lt1"/>
+          </a:fontRef>
+        </p:style>
+        <p:txBody>
+          <a:bodyPr rtlCol="0" anchor="ctr"/>
+          <a:lstStyle/>
+          <a:p>
+            <a:pPr algn="ctr"/>
+            <a:endParaRPr kumimoji="1" lang="ja-JP" altLang="en-US"/>
+          </a:p>
+        </p:txBody>
+      </p:sp>
       <p:pic>
         <p:nvPicPr>
-          <p:cNvPr id="3" name="図 2"/>
+          <p:cNvPr id="153" name="Picture 2" descr="https://docs.jboss.org/author/download/attachments/3737207/ISPN?version=2&amp;modificationDate=1312285907000">
+            <a:hlinkClick r:id="rId3"/>
+          </p:cNvPr>
           <p:cNvPicPr>
-            <a:picLocks noChangeAspect="1"/>
+            <a:picLocks noChangeAspect="1" noChangeArrowheads="1"/>
           </p:cNvPicPr>
           <p:nvPr/>
         </p:nvPicPr>
         <p:blipFill>
-          <a:blip r:embed="rId5" cstate="print">
-            <a:extLst>
-              <a:ext uri="{28A0092B-C50C-407E-A947-70E740481C1C}">
-                <a14:useLocalDpi xmlns:a14="http://schemas.microsoft.com/office/drawing/2010/main" val="0"/>
-              </a:ext>
-            </a:extLst>
-          </a:blip>
+          <a:blip r:embed="rId4" cstate="print"/>
+          <a:srcRect/>
           <a:stretch>
             <a:fillRect/>
           </a:stretch>
         </p:blipFill>
-        <p:spPr>
+        <p:spPr bwMode="auto">
           <a:xfrm>
-            <a:off x="7894268" y="2163499"/>
-            <a:ext cx="452693" cy="448255"/>
+            <a:off x="2951820" y="5661248"/>
+            <a:ext cx="360041" cy="360042"/>
           </a:xfrm>
           <a:prstGeom prst="rect">
             <a:avLst/>
           </a:prstGeom>
+          <a:ln>
+            <a:noFill/>
+          </a:ln>
+          <a:effectLst>
+            <a:outerShdw blurRad="292100" dist="139700" dir="2700000" algn="tl" rotWithShape="0">
+              <a:srgbClr val="333333">
+                <a:alpha val="65000"/>
+              </a:srgbClr>
+            </a:outerShdw>
+          </a:effectLst>
         </p:spPr>
       </p:pic>
       <p:sp>
         <p:nvSpPr>
-          <p:cNvPr id="34" name="フローチャート : 磁気ディスク 33"/>
+          <p:cNvPr id="154" name="フローチャート : 磁気ディスク 153"/>
           <p:cNvSpPr/>
           <p:nvPr/>
         </p:nvSpPr>
         <p:spPr bwMode="auto">
           <a:xfrm>
-            <a:off x="7658819" y="2938844"/>
-            <a:ext cx="864096" cy="550247"/>
+            <a:off x="4211960" y="5388406"/>
+            <a:ext cx="720080" cy="704890"/>
           </a:xfrm>
           <a:prstGeom prst="flowChartMagneticDisk">
             <a:avLst/>
@@ -4771,7 +5803,7 @@
             <a:prstTxWarp prst="textNoShape">
               <a:avLst/>
             </a:prstTxWarp>
-            <a:spAutoFit/>
+            <a:noAutofit/>
           </a:bodyPr>
           <a:lstStyle/>
           <a:p>
@@ -4788,44 +5820,51 @@
       </p:sp>
       <p:pic>
         <p:nvPicPr>
-          <p:cNvPr id="35" name="図 34"/>
+          <p:cNvPr id="155" name="Picture 2" descr="https://docs.jboss.org/author/download/attachments/3737207/ISPN?version=2&amp;modificationDate=1312285907000">
+            <a:hlinkClick r:id="rId3"/>
+          </p:cNvPr>
           <p:cNvPicPr>
-            <a:picLocks noChangeAspect="1"/>
+            <a:picLocks noChangeAspect="1" noChangeArrowheads="1"/>
           </p:cNvPicPr>
           <p:nvPr/>
         </p:nvPicPr>
         <p:blipFill>
-          <a:blip r:embed="rId5" cstate="print">
-            <a:extLst>
-              <a:ext uri="{28A0092B-C50C-407E-A947-70E740481C1C}">
-                <a14:useLocalDpi xmlns:a14="http://schemas.microsoft.com/office/drawing/2010/main" val="0"/>
-              </a:ext>
-            </a:extLst>
-          </a:blip>
+          <a:blip r:embed="rId4" cstate="print"/>
+          <a:srcRect/>
           <a:stretch>
             <a:fillRect/>
           </a:stretch>
         </p:blipFill>
-        <p:spPr>
+        <p:spPr bwMode="auto">
           <a:xfrm>
-            <a:off x="7893893" y="3011115"/>
-            <a:ext cx="452693" cy="448255"/>
+            <a:off x="4391980" y="5661248"/>
+            <a:ext cx="360041" cy="360042"/>
           </a:xfrm>
           <a:prstGeom prst="rect">
             <a:avLst/>
           </a:prstGeom>
+          <a:ln>
+            <a:noFill/>
+          </a:ln>
+          <a:effectLst>
+            <a:outerShdw blurRad="292100" dist="139700" dir="2700000" algn="tl" rotWithShape="0">
+              <a:srgbClr val="333333">
+                <a:alpha val="65000"/>
+              </a:srgbClr>
+            </a:outerShdw>
+          </a:effectLst>
         </p:spPr>
       </p:pic>
       <p:sp>
         <p:nvSpPr>
-          <p:cNvPr id="36" name="フローチャート : 磁気ディスク 35"/>
+          <p:cNvPr id="156" name="フローチャート : 磁気ディスク 155"/>
           <p:cNvSpPr/>
           <p:nvPr/>
         </p:nvSpPr>
         <p:spPr bwMode="auto">
           <a:xfrm>
-            <a:off x="7668344" y="3783890"/>
-            <a:ext cx="864096" cy="550247"/>
+            <a:off x="5652120" y="5388406"/>
+            <a:ext cx="720080" cy="704890"/>
           </a:xfrm>
           <a:prstGeom prst="flowChartMagneticDisk">
             <a:avLst/>
@@ -4854,7 +5893,7 @@
             <a:prstTxWarp prst="textNoShape">
               <a:avLst/>
             </a:prstTxWarp>
-            <a:spAutoFit/>
+            <a:noAutofit/>
           </a:bodyPr>
           <a:lstStyle/>
           <a:p>
@@ -4871,9 +5910,472 @@
       </p:sp>
       <p:pic>
         <p:nvPicPr>
-          <p:cNvPr id="42" name="図 41"/>
+          <p:cNvPr id="157" name="Picture 2" descr="https://docs.jboss.org/author/download/attachments/3737207/ISPN?version=2&amp;modificationDate=1312285907000">
+            <a:hlinkClick r:id="rId3"/>
+          </p:cNvPr>
           <p:cNvPicPr>
-            <a:picLocks noChangeAspect="1"/>
+            <a:picLocks noChangeAspect="1" noChangeArrowheads="1"/>
+          </p:cNvPicPr>
+          <p:nvPr/>
+        </p:nvPicPr>
+        <p:blipFill>
+          <a:blip r:embed="rId4" cstate="print"/>
+          <a:srcRect/>
+          <a:stretch>
+            <a:fillRect/>
+          </a:stretch>
+        </p:blipFill>
+        <p:spPr bwMode="auto">
+          <a:xfrm>
+            <a:off x="5832140" y="5661248"/>
+            <a:ext cx="360041" cy="360042"/>
+          </a:xfrm>
+          <a:prstGeom prst="rect">
+            <a:avLst/>
+          </a:prstGeom>
+          <a:ln>
+            <a:noFill/>
+          </a:ln>
+          <a:effectLst>
+            <a:outerShdw blurRad="292100" dist="139700" dir="2700000" algn="tl" rotWithShape="0">
+              <a:srgbClr val="333333">
+                <a:alpha val="65000"/>
+              </a:srgbClr>
+            </a:outerShdw>
+          </a:effectLst>
+        </p:spPr>
+      </p:pic>
+      <p:sp>
+        <p:nvSpPr>
+          <p:cNvPr id="158" name="左右矢印 157"/>
+          <p:cNvSpPr/>
+          <p:nvPr/>
+        </p:nvSpPr>
+        <p:spPr>
+          <a:xfrm>
+            <a:off x="3520455" y="5604430"/>
+            <a:ext cx="648072" cy="360040"/>
+          </a:xfrm>
+          <a:prstGeom prst="leftRightArrow">
+            <a:avLst>
+              <a:gd name="adj1" fmla="val 38208"/>
+              <a:gd name="adj2" fmla="val 50000"/>
+            </a:avLst>
+          </a:prstGeom>
+        </p:spPr>
+        <p:style>
+          <a:lnRef idx="1">
+            <a:schemeClr val="accent1"/>
+          </a:lnRef>
+          <a:fillRef idx="3">
+            <a:schemeClr val="accent1"/>
+          </a:fillRef>
+          <a:effectRef idx="2">
+            <a:schemeClr val="accent1"/>
+          </a:effectRef>
+          <a:fontRef idx="minor">
+            <a:schemeClr val="lt1"/>
+          </a:fontRef>
+        </p:style>
+        <p:txBody>
+          <a:bodyPr rtlCol="0" anchor="ctr"/>
+          <a:lstStyle/>
+          <a:p>
+            <a:pPr algn="ctr"/>
+            <a:endParaRPr kumimoji="1" lang="ja-JP" altLang="en-US"/>
+          </a:p>
+        </p:txBody>
+      </p:sp>
+      <p:sp>
+        <p:nvSpPr>
+          <p:cNvPr id="159" name="左右矢印 158"/>
+          <p:cNvSpPr/>
+          <p:nvPr/>
+        </p:nvSpPr>
+        <p:spPr>
+          <a:xfrm>
+            <a:off x="4960615" y="5604430"/>
+            <a:ext cx="648072" cy="360040"/>
+          </a:xfrm>
+          <a:prstGeom prst="leftRightArrow">
+            <a:avLst>
+              <a:gd name="adj1" fmla="val 38208"/>
+              <a:gd name="adj2" fmla="val 50000"/>
+            </a:avLst>
+          </a:prstGeom>
+        </p:spPr>
+        <p:style>
+          <a:lnRef idx="1">
+            <a:schemeClr val="accent1"/>
+          </a:lnRef>
+          <a:fillRef idx="3">
+            <a:schemeClr val="accent1"/>
+          </a:fillRef>
+          <a:effectRef idx="2">
+            <a:schemeClr val="accent1"/>
+          </a:effectRef>
+          <a:fontRef idx="minor">
+            <a:schemeClr val="lt1"/>
+          </a:fontRef>
+        </p:style>
+        <p:txBody>
+          <a:bodyPr rtlCol="0" anchor="ctr"/>
+          <a:lstStyle/>
+          <a:p>
+            <a:pPr algn="ctr"/>
+            <a:endParaRPr kumimoji="1" lang="ja-JP" altLang="en-US"/>
+          </a:p>
+        </p:txBody>
+      </p:sp>
+      <p:sp>
+        <p:nvSpPr>
+          <p:cNvPr id="160" name="テキスト ボックス 159"/>
+          <p:cNvSpPr txBox="1"/>
+          <p:nvPr/>
+        </p:nvSpPr>
+        <p:spPr>
+          <a:xfrm>
+            <a:off x="4788024" y="4537695"/>
+            <a:ext cx="2160240" cy="276999"/>
+          </a:xfrm>
+          <a:prstGeom prst="rect">
+            <a:avLst/>
+          </a:prstGeom>
+          <a:noFill/>
+        </p:spPr>
+        <p:txBody>
+          <a:bodyPr wrap="square" rtlCol="0">
+            <a:spAutoFit/>
+          </a:bodyPr>
+          <a:lstStyle/>
+          <a:p>
+            <a:pPr algn="ctr"/>
+            <a:r>
+              <a:rPr lang="ja-JP" altLang="en-US" sz="1200" dirty="0" smtClean="0">
+                <a:latin typeface="HGP創英角ｺﾞｼｯｸUB" pitchFamily="50" charset="-128"/>
+                <a:ea typeface="HGP創英角ｺﾞｼｯｸUB" pitchFamily="50" charset="-128"/>
+              </a:rPr>
+              <a:t>学習</a:t>
+            </a:r>
+            <a:r>
+              <a:rPr lang="ja-JP" altLang="en-US" sz="1200" dirty="0" smtClean="0">
+                <a:latin typeface="HGP創英角ｺﾞｼｯｸUB" pitchFamily="50" charset="-128"/>
+                <a:ea typeface="HGP創英角ｺﾞｼｯｸUB" pitchFamily="50" charset="-128"/>
+              </a:rPr>
+              <a:t>結果</a:t>
+            </a:r>
+            <a:r>
+              <a:rPr lang="ja-JP" altLang="en-US" sz="1200" dirty="0" smtClean="0">
+                <a:latin typeface="HGP創英角ｺﾞｼｯｸUB" pitchFamily="50" charset="-128"/>
+                <a:ea typeface="HGP創英角ｺﾞｼｯｸUB" pitchFamily="50" charset="-128"/>
+              </a:rPr>
+              <a:t>のオンライン更新</a:t>
+            </a:r>
+            <a:endParaRPr kumimoji="1" lang="ja-JP" altLang="en-US" sz="1200" dirty="0">
+              <a:latin typeface="HGP創英角ｺﾞｼｯｸUB" pitchFamily="50" charset="-128"/>
+              <a:ea typeface="HGP創英角ｺﾞｼｯｸUB" pitchFamily="50" charset="-128"/>
+            </a:endParaRPr>
+          </a:p>
+        </p:txBody>
+      </p:sp>
+      <p:sp>
+        <p:nvSpPr>
+          <p:cNvPr id="161" name="フローチャート : 磁気ディスク 160"/>
+          <p:cNvSpPr/>
+          <p:nvPr/>
+        </p:nvSpPr>
+        <p:spPr bwMode="auto">
+          <a:xfrm>
+            <a:off x="7783785" y="3668365"/>
+            <a:ext cx="936104" cy="864096"/>
+          </a:xfrm>
+          <a:prstGeom prst="flowChartMagneticDisk">
+            <a:avLst/>
+          </a:prstGeom>
+          <a:ln>
+            <a:headEnd type="none" w="med" len="med"/>
+            <a:tailEnd type="none" w="med" len="med"/>
+          </a:ln>
+        </p:spPr>
+        <p:style>
+          <a:lnRef idx="1">
+            <a:schemeClr val="accent1"/>
+          </a:lnRef>
+          <a:fillRef idx="2">
+            <a:schemeClr val="accent1"/>
+          </a:fillRef>
+          <a:effectRef idx="1">
+            <a:schemeClr val="accent1"/>
+          </a:effectRef>
+          <a:fontRef idx="minor">
+            <a:schemeClr val="dk1"/>
+          </a:fontRef>
+        </p:style>
+        <p:txBody>
+          <a:bodyPr vert="horz" wrap="square" lIns="91440" tIns="45720" rIns="91440" bIns="45720" numCol="1" rtlCol="0" anchor="ctr" anchorCtr="0" compatLnSpc="1">
+            <a:prstTxWarp prst="textNoShape">
+              <a:avLst/>
+            </a:prstTxWarp>
+            <a:noAutofit/>
+          </a:bodyPr>
+          <a:lstStyle/>
+          <a:p>
+            <a:pPr algn="ctr"/>
+            <a:r>
+              <a:rPr kumimoji="1" lang="ja-JP" altLang="en-US" sz="1200" dirty="0" smtClean="0">
+                <a:solidFill>
+                  <a:schemeClr val="tx1"/>
+                </a:solidFill>
+                <a:latin typeface="HGP創英角ｺﾞｼｯｸUB" panose="020B0900000000000000" pitchFamily="50" charset="-128"/>
+                <a:ea typeface="HGP創英角ｺﾞｼｯｸUB" panose="020B0900000000000000" pitchFamily="50" charset="-128"/>
+              </a:rPr>
+              <a:t>データ</a:t>
+            </a:r>
+            <a:r>
+              <a:rPr kumimoji="1" lang="en-US" altLang="ja-JP" sz="1200" dirty="0" smtClean="0">
+                <a:solidFill>
+                  <a:schemeClr val="tx1"/>
+                </a:solidFill>
+                <a:latin typeface="HGP創英角ｺﾞｼｯｸUB" panose="020B0900000000000000" pitchFamily="50" charset="-128"/>
+                <a:ea typeface="HGP創英角ｺﾞｼｯｸUB" panose="020B0900000000000000" pitchFamily="50" charset="-128"/>
+              </a:rPr>
+              <a:t/>
+            </a:r>
+            <a:br>
+              <a:rPr kumimoji="1" lang="en-US" altLang="ja-JP" sz="1200" dirty="0" smtClean="0">
+                <a:solidFill>
+                  <a:schemeClr val="tx1"/>
+                </a:solidFill>
+                <a:latin typeface="HGP創英角ｺﾞｼｯｸUB" panose="020B0900000000000000" pitchFamily="50" charset="-128"/>
+                <a:ea typeface="HGP創英角ｺﾞｼｯｸUB" panose="020B0900000000000000" pitchFamily="50" charset="-128"/>
+              </a:rPr>
+            </a:br>
+            <a:r>
+              <a:rPr kumimoji="1" lang="ja-JP" altLang="en-US" sz="1200" dirty="0" smtClean="0">
+                <a:solidFill>
+                  <a:schemeClr val="tx1"/>
+                </a:solidFill>
+                <a:latin typeface="HGP創英角ｺﾞｼｯｸUB" panose="020B0900000000000000" pitchFamily="50" charset="-128"/>
+                <a:ea typeface="HGP創英角ｺﾞｼｯｸUB" panose="020B0900000000000000" pitchFamily="50" charset="-128"/>
+              </a:rPr>
+              <a:t>ストア</a:t>
+            </a:r>
+            <a:endParaRPr kumimoji="1" lang="ja-JP" altLang="en-US" sz="1200" dirty="0" smtClean="0">
+              <a:solidFill>
+                <a:schemeClr val="tx1"/>
+              </a:solidFill>
+              <a:latin typeface="HGP創英角ｺﾞｼｯｸUB" panose="020B0900000000000000" pitchFamily="50" charset="-128"/>
+              <a:ea typeface="HGP創英角ｺﾞｼｯｸUB" panose="020B0900000000000000" pitchFamily="50" charset="-128"/>
+            </a:endParaRPr>
+          </a:p>
+        </p:txBody>
+      </p:sp>
+      <p:sp>
+        <p:nvSpPr>
+          <p:cNvPr id="162" name="右矢印 161"/>
+          <p:cNvSpPr/>
+          <p:nvPr/>
+        </p:nvSpPr>
+        <p:spPr>
+          <a:xfrm rot="1057442">
+            <a:off x="6962140" y="3670545"/>
+            <a:ext cx="704655" cy="389657"/>
+          </a:xfrm>
+          <a:prstGeom prst="rightArrow">
+            <a:avLst/>
+          </a:prstGeom>
+        </p:spPr>
+        <p:style>
+          <a:lnRef idx="1">
+            <a:schemeClr val="accent1"/>
+          </a:lnRef>
+          <a:fillRef idx="3">
+            <a:schemeClr val="accent1"/>
+          </a:fillRef>
+          <a:effectRef idx="2">
+            <a:schemeClr val="accent1"/>
+          </a:effectRef>
+          <a:fontRef idx="minor">
+            <a:schemeClr val="lt1"/>
+          </a:fontRef>
+        </p:style>
+        <p:txBody>
+          <a:bodyPr rtlCol="0" anchor="ctr"/>
+          <a:lstStyle/>
+          <a:p>
+            <a:pPr algn="ctr"/>
+            <a:endParaRPr kumimoji="1" lang="ja-JP" altLang="en-US"/>
+          </a:p>
+        </p:txBody>
+      </p:sp>
+      <p:sp>
+        <p:nvSpPr>
+          <p:cNvPr id="165" name="テキスト ボックス 164"/>
+          <p:cNvSpPr txBox="1"/>
+          <p:nvPr/>
+        </p:nvSpPr>
+        <p:spPr>
+          <a:xfrm>
+            <a:off x="7740352" y="4653136"/>
+            <a:ext cx="1008112" cy="461665"/>
+          </a:xfrm>
+          <a:prstGeom prst="rect">
+            <a:avLst/>
+          </a:prstGeom>
+          <a:noFill/>
+        </p:spPr>
+        <p:txBody>
+          <a:bodyPr wrap="square" rtlCol="0">
+            <a:spAutoFit/>
+          </a:bodyPr>
+          <a:lstStyle/>
+          <a:p>
+            <a:pPr algn="ctr"/>
+            <a:r>
+              <a:rPr kumimoji="1" lang="ja-JP" altLang="en-US" sz="1200" dirty="0" smtClean="0">
+                <a:latin typeface="HGP創英角ｺﾞｼｯｸUB" pitchFamily="50" charset="-128"/>
+                <a:ea typeface="HGP創英角ｺﾞｼｯｸUB" pitchFamily="50" charset="-128"/>
+              </a:rPr>
+              <a:t>評価結果の</a:t>
+            </a:r>
+            <a:r>
+              <a:rPr kumimoji="1" lang="en-US" altLang="ja-JP" sz="1200" dirty="0" smtClean="0">
+                <a:latin typeface="HGP創英角ｺﾞｼｯｸUB" pitchFamily="50" charset="-128"/>
+                <a:ea typeface="HGP創英角ｺﾞｼｯｸUB" pitchFamily="50" charset="-128"/>
+              </a:rPr>
+              <a:t/>
+            </a:r>
+            <a:br>
+              <a:rPr kumimoji="1" lang="en-US" altLang="ja-JP" sz="1200" dirty="0" smtClean="0">
+                <a:latin typeface="HGP創英角ｺﾞｼｯｸUB" pitchFamily="50" charset="-128"/>
+                <a:ea typeface="HGP創英角ｺﾞｼｯｸUB" pitchFamily="50" charset="-128"/>
+              </a:rPr>
+            </a:br>
+            <a:r>
+              <a:rPr kumimoji="1" lang="ja-JP" altLang="en-US" sz="1200" dirty="0" smtClean="0">
+                <a:latin typeface="HGP創英角ｺﾞｼｯｸUB" pitchFamily="50" charset="-128"/>
+                <a:ea typeface="HGP創英角ｺﾞｼｯｸUB" pitchFamily="50" charset="-128"/>
+              </a:rPr>
+              <a:t>保存</a:t>
+            </a:r>
+            <a:endParaRPr kumimoji="1" lang="ja-JP" altLang="en-US" sz="1200" dirty="0">
+              <a:latin typeface="HGP創英角ｺﾞｼｯｸUB" pitchFamily="50" charset="-128"/>
+              <a:ea typeface="HGP創英角ｺﾞｼｯｸUB" pitchFamily="50" charset="-128"/>
+            </a:endParaRPr>
+          </a:p>
+        </p:txBody>
+      </p:sp>
+      <p:sp>
+        <p:nvSpPr>
+          <p:cNvPr id="167" name="テキスト ボックス 166"/>
+          <p:cNvSpPr txBox="1"/>
+          <p:nvPr/>
+        </p:nvSpPr>
+        <p:spPr>
+          <a:xfrm>
+            <a:off x="251520" y="3356992"/>
+            <a:ext cx="1080120" cy="461665"/>
+          </a:xfrm>
+          <a:prstGeom prst="rect">
+            <a:avLst/>
+          </a:prstGeom>
+          <a:noFill/>
+        </p:spPr>
+        <p:txBody>
+          <a:bodyPr wrap="square" rtlCol="0">
+            <a:spAutoFit/>
+          </a:bodyPr>
+          <a:lstStyle/>
+          <a:p>
+            <a:pPr algn="ctr"/>
+            <a:r>
+              <a:rPr kumimoji="1" lang="ja-JP" altLang="en-US" sz="1200" dirty="0" smtClean="0">
+                <a:latin typeface="HGP創英角ｺﾞｼｯｸUB" pitchFamily="50" charset="-128"/>
+                <a:ea typeface="HGP創英角ｺﾞｼｯｸUB" pitchFamily="50" charset="-128"/>
+              </a:rPr>
+              <a:t>学習</a:t>
+            </a:r>
+            <a:r>
+              <a:rPr lang="ja-JP" altLang="en-US" sz="1200" dirty="0" smtClean="0">
+                <a:latin typeface="HGP創英角ｺﾞｼｯｸUB" pitchFamily="50" charset="-128"/>
+                <a:ea typeface="HGP創英角ｺﾞｼｯｸUB" pitchFamily="50" charset="-128"/>
+              </a:rPr>
+              <a:t>・分析</a:t>
+            </a:r>
+            <a:r>
+              <a:rPr lang="en-US" altLang="ja-JP" sz="1200" dirty="0" smtClean="0">
+                <a:latin typeface="HGP創英角ｺﾞｼｯｸUB" pitchFamily="50" charset="-128"/>
+                <a:ea typeface="HGP創英角ｺﾞｼｯｸUB" pitchFamily="50" charset="-128"/>
+              </a:rPr>
+              <a:t/>
+            </a:r>
+            <a:br>
+              <a:rPr lang="en-US" altLang="ja-JP" sz="1200" dirty="0" smtClean="0">
+                <a:latin typeface="HGP創英角ｺﾞｼｯｸUB" pitchFamily="50" charset="-128"/>
+                <a:ea typeface="HGP創英角ｺﾞｼｯｸUB" pitchFamily="50" charset="-128"/>
+              </a:rPr>
+            </a:br>
+            <a:r>
+              <a:rPr lang="ja-JP" altLang="en-US" sz="1200" dirty="0" smtClean="0">
+                <a:latin typeface="HGP創英角ｺﾞｼｯｸUB" pitchFamily="50" charset="-128"/>
+                <a:ea typeface="HGP創英角ｺﾞｼｯｸUB" pitchFamily="50" charset="-128"/>
+              </a:rPr>
+              <a:t>データ</a:t>
+            </a:r>
+            <a:endParaRPr kumimoji="1" lang="ja-JP" altLang="en-US" sz="1200" dirty="0">
+              <a:latin typeface="HGP創英角ｺﾞｼｯｸUB" pitchFamily="50" charset="-128"/>
+              <a:ea typeface="HGP創英角ｺﾞｼｯｸUB" pitchFamily="50" charset="-128"/>
+            </a:endParaRPr>
+          </a:p>
+        </p:txBody>
+      </p:sp>
+      <p:sp>
+        <p:nvSpPr>
+          <p:cNvPr id="168" name="右カーブ矢印 167"/>
+          <p:cNvSpPr/>
+          <p:nvPr/>
+        </p:nvSpPr>
+        <p:spPr>
+          <a:xfrm rot="1120411">
+            <a:off x="1402047" y="2904776"/>
+            <a:ext cx="868339" cy="576064"/>
+          </a:xfrm>
+          <a:prstGeom prst="curvedRightArrow">
+            <a:avLst/>
+          </a:prstGeom>
+        </p:spPr>
+        <p:style>
+          <a:lnRef idx="1">
+            <a:schemeClr val="accent4"/>
+          </a:lnRef>
+          <a:fillRef idx="3">
+            <a:schemeClr val="accent4"/>
+          </a:fillRef>
+          <a:effectRef idx="2">
+            <a:schemeClr val="accent4"/>
+          </a:effectRef>
+          <a:fontRef idx="minor">
+            <a:schemeClr val="lt1"/>
+          </a:fontRef>
+        </p:style>
+        <p:txBody>
+          <a:bodyPr rtlCol="0" anchor="ctr"/>
+          <a:lstStyle/>
+          <a:p>
+            <a:pPr algn="ctr"/>
+            <a:endParaRPr kumimoji="1" lang="ja-JP" altLang="en-US">
+              <a:solidFill>
+                <a:schemeClr val="tx1"/>
+              </a:solidFill>
+            </a:endParaRPr>
+          </a:p>
+        </p:txBody>
+      </p:sp>
+      <p:pic>
+        <p:nvPicPr>
+          <p:cNvPr id="169" name="Picture 8" descr="C:\Users\takanori\AppData\Local\Microsoft\Windows\Temporary Internet Files\Content.IE5\Q2YN9JZ6\MC900439830[1].png"/>
+          <p:cNvPicPr>
+            <a:picLocks noChangeAspect="1" noChangeArrowheads="1"/>
           </p:cNvPicPr>
           <p:nvPr/>
         </p:nvPicPr>
@@ -4881,304 +6383,10 @@
           <a:blip r:embed="rId5" cstate="print">
             <a:extLst>
               <a:ext uri="{28A0092B-C50C-407E-A947-70E740481C1C}">
-                <a14:useLocalDpi xmlns:a14="http://schemas.microsoft.com/office/drawing/2010/main" val="0"/>
+                <a14:useLocalDpi xmlns:a14="http://schemas.microsoft.com/office/drawing/2010/main" xmlns="" val="0"/>
               </a:ext>
             </a:extLst>
           </a:blip>
-          <a:stretch>
-            <a:fillRect/>
-          </a:stretch>
-        </p:blipFill>
-        <p:spPr>
-          <a:xfrm>
-            <a:off x="7903418" y="3856161"/>
-            <a:ext cx="452693" cy="448255"/>
-          </a:xfrm>
-          <a:prstGeom prst="rect">
-            <a:avLst/>
-          </a:prstGeom>
-        </p:spPr>
-      </p:pic>
-      <p:sp>
-        <p:nvSpPr>
-          <p:cNvPr id="43" name="角丸四角形 42"/>
-          <p:cNvSpPr/>
-          <p:nvPr/>
-        </p:nvSpPr>
-        <p:spPr bwMode="auto">
-          <a:xfrm>
-            <a:off x="7234830" y="1340768"/>
-            <a:ext cx="1729658" cy="3262801"/>
-          </a:xfrm>
-          <a:prstGeom prst="roundRect">
-            <a:avLst/>
-          </a:prstGeom>
-          <a:noFill/>
-          <a:ln>
-            <a:headEnd type="none" w="med" len="med"/>
-            <a:tailEnd type="none" w="med" len="med"/>
-          </a:ln>
-        </p:spPr>
-        <p:style>
-          <a:lnRef idx="2">
-            <a:schemeClr val="accent1"/>
-          </a:lnRef>
-          <a:fillRef idx="1">
-            <a:schemeClr val="lt1"/>
-          </a:fillRef>
-          <a:effectRef idx="0">
-            <a:schemeClr val="accent1"/>
-          </a:effectRef>
-          <a:fontRef idx="minor">
-            <a:schemeClr val="dk1"/>
-          </a:fontRef>
-        </p:style>
-        <p:txBody>
-          <a:bodyPr vert="horz" wrap="square" lIns="91440" tIns="45720" rIns="91440" bIns="45720" numCol="1" rtlCol="0" anchor="t" anchorCtr="0" compatLnSpc="1">
-            <a:prstTxWarp prst="textNoShape">
-              <a:avLst/>
-            </a:prstTxWarp>
-            <a:noAutofit/>
-          </a:bodyPr>
-          <a:lstStyle/>
-          <a:p>
-            <a:pPr algn="ctr"/>
-            <a:r>
-              <a:rPr lang="en-US" altLang="ja-JP" sz="1600" dirty="0" smtClean="0">
-                <a:solidFill>
-                  <a:schemeClr val="tx1"/>
-                </a:solidFill>
-                <a:latin typeface="HGP創英角ｺﾞｼｯｸUB" panose="020B0900000000000000" pitchFamily="50" charset="-128"/>
-                <a:ea typeface="HGP創英角ｺﾞｼｯｸUB" panose="020B0900000000000000" pitchFamily="50" charset="-128"/>
-              </a:rPr>
-              <a:t>Infinispan</a:t>
-            </a:r>
-          </a:p>
-          <a:p>
-            <a:pPr algn="ctr"/>
-            <a:r>
-              <a:rPr lang="en-US" altLang="ja-JP" sz="1600" dirty="0" smtClean="0">
-                <a:solidFill>
-                  <a:schemeClr val="tx1"/>
-                </a:solidFill>
-                <a:latin typeface="HGP創英角ｺﾞｼｯｸUB" panose="020B0900000000000000" pitchFamily="50" charset="-128"/>
-                <a:ea typeface="HGP創英角ｺﾞｼｯｸUB" panose="020B0900000000000000" pitchFamily="50" charset="-128"/>
-              </a:rPr>
-              <a:t>Cluster</a:t>
-            </a:r>
-            <a:endParaRPr kumimoji="1" lang="ja-JP" altLang="en-US" sz="1600" dirty="0" smtClean="0">
-              <a:solidFill>
-                <a:schemeClr val="tx1"/>
-              </a:solidFill>
-              <a:latin typeface="HGP創英角ｺﾞｼｯｸUB" panose="020B0900000000000000" pitchFamily="50" charset="-128"/>
-              <a:ea typeface="HGP創英角ｺﾞｼｯｸUB" panose="020B0900000000000000" pitchFamily="50" charset="-128"/>
-            </a:endParaRPr>
-          </a:p>
-        </p:txBody>
-      </p:sp>
-      <p:sp>
-        <p:nvSpPr>
-          <p:cNvPr id="46" name="テキスト ボックス 45"/>
-          <p:cNvSpPr txBox="1"/>
-          <p:nvPr/>
-        </p:nvSpPr>
-        <p:spPr>
-          <a:xfrm>
-            <a:off x="755647" y="1107202"/>
-            <a:ext cx="1214540" cy="276999"/>
-          </a:xfrm>
-          <a:prstGeom prst="rect">
-            <a:avLst/>
-          </a:prstGeom>
-          <a:noFill/>
-        </p:spPr>
-        <p:txBody>
-          <a:bodyPr wrap="square" rtlCol="0">
-            <a:spAutoFit/>
-          </a:bodyPr>
-          <a:lstStyle/>
-          <a:p>
-            <a:pPr algn="ctr"/>
-            <a:r>
-              <a:rPr kumimoji="1" lang="ja-JP" altLang="en-US" sz="1200" dirty="0" smtClean="0">
-                <a:latin typeface="HGP創英角ｺﾞｼｯｸUB" panose="020B0900000000000000" pitchFamily="50" charset="-128"/>
-                <a:ea typeface="HGP創英角ｺﾞｼｯｸUB" panose="020B0900000000000000" pitchFamily="50" charset="-128"/>
-              </a:rPr>
-              <a:t>データファイル</a:t>
-            </a:r>
-            <a:endParaRPr kumimoji="1" lang="ja-JP" altLang="en-US" sz="1200" dirty="0">
-              <a:latin typeface="HGP創英角ｺﾞｼｯｸUB" pitchFamily="50" charset="-128"/>
-              <a:ea typeface="HGP創英角ｺﾞｼｯｸUB" pitchFamily="50" charset="-128"/>
-            </a:endParaRPr>
-          </a:p>
-        </p:txBody>
-      </p:sp>
-      <p:sp>
-        <p:nvSpPr>
-          <p:cNvPr id="48" name="テキスト ボックス 47"/>
-          <p:cNvSpPr txBox="1"/>
-          <p:nvPr/>
-        </p:nvSpPr>
-        <p:spPr>
-          <a:xfrm>
-            <a:off x="3592463" y="2657470"/>
-            <a:ext cx="1310931" cy="276999"/>
-          </a:xfrm>
-          <a:prstGeom prst="rect">
-            <a:avLst/>
-          </a:prstGeom>
-          <a:noFill/>
-        </p:spPr>
-        <p:txBody>
-          <a:bodyPr wrap="square" rtlCol="0">
-            <a:spAutoFit/>
-          </a:bodyPr>
-          <a:lstStyle/>
-          <a:p>
-            <a:pPr algn="ctr"/>
-            <a:r>
-              <a:rPr lang="en-US" altLang="ja-JP" sz="1200" dirty="0" err="1" smtClean="0">
-                <a:latin typeface="HGP創英角ｺﾞｼｯｸUB" pitchFamily="50" charset="-128"/>
-                <a:ea typeface="HGP創英角ｺﾞｼｯｸUB" pitchFamily="50" charset="-128"/>
-              </a:rPr>
-              <a:t>TridentFunction</a:t>
-            </a:r>
-            <a:endParaRPr kumimoji="1" lang="ja-JP" altLang="en-US" sz="1200" dirty="0">
-              <a:latin typeface="HGP創英角ｺﾞｼｯｸUB" pitchFamily="50" charset="-128"/>
-              <a:ea typeface="HGP創英角ｺﾞｼｯｸUB" pitchFamily="50" charset="-128"/>
-            </a:endParaRPr>
-          </a:p>
-        </p:txBody>
-      </p:sp>
-      <p:sp>
-        <p:nvSpPr>
-          <p:cNvPr id="49" name="テキスト ボックス 48"/>
-          <p:cNvSpPr txBox="1"/>
-          <p:nvPr/>
-        </p:nvSpPr>
-        <p:spPr>
-          <a:xfrm>
-            <a:off x="4701229" y="2655962"/>
-            <a:ext cx="1310931" cy="276999"/>
-          </a:xfrm>
-          <a:prstGeom prst="rect">
-            <a:avLst/>
-          </a:prstGeom>
-          <a:noFill/>
-        </p:spPr>
-        <p:txBody>
-          <a:bodyPr wrap="square" rtlCol="0">
-            <a:spAutoFit/>
-          </a:bodyPr>
-          <a:lstStyle/>
-          <a:p>
-            <a:pPr algn="ctr"/>
-            <a:r>
-              <a:rPr lang="en-US" altLang="ja-JP" sz="1200" dirty="0" err="1" smtClean="0">
-                <a:latin typeface="HGP創英角ｺﾞｼｯｸUB" pitchFamily="50" charset="-128"/>
-                <a:ea typeface="HGP創英角ｺﾞｼｯｸUB" pitchFamily="50" charset="-128"/>
-              </a:rPr>
-              <a:t>TridentFunction</a:t>
-            </a:r>
-            <a:endParaRPr kumimoji="1" lang="ja-JP" altLang="en-US" sz="1200" dirty="0">
-              <a:latin typeface="HGP創英角ｺﾞｼｯｸUB" pitchFamily="50" charset="-128"/>
-              <a:ea typeface="HGP創英角ｺﾞｼｯｸUB" pitchFamily="50" charset="-128"/>
-            </a:endParaRPr>
-          </a:p>
-        </p:txBody>
-      </p:sp>
-      <p:sp>
-        <p:nvSpPr>
-          <p:cNvPr id="8" name="右矢印 7"/>
-          <p:cNvSpPr/>
-          <p:nvPr/>
-        </p:nvSpPr>
-        <p:spPr>
-          <a:xfrm>
-            <a:off x="6232376" y="2222048"/>
-            <a:ext cx="864096" cy="331155"/>
-          </a:xfrm>
-          <a:prstGeom prst="rightArrow">
-            <a:avLst/>
-          </a:prstGeom>
-        </p:spPr>
-        <p:style>
-          <a:lnRef idx="0">
-            <a:schemeClr val="accent1"/>
-          </a:lnRef>
-          <a:fillRef idx="3">
-            <a:schemeClr val="accent1"/>
-          </a:fillRef>
-          <a:effectRef idx="3">
-            <a:schemeClr val="accent1"/>
-          </a:effectRef>
-          <a:fontRef idx="minor">
-            <a:schemeClr val="lt1"/>
-          </a:fontRef>
-        </p:style>
-        <p:txBody>
-          <a:bodyPr rtlCol="0" anchor="ctr"/>
-          <a:lstStyle/>
-          <a:p>
-            <a:pPr algn="ctr"/>
-            <a:endParaRPr kumimoji="1" lang="ja-JP" altLang="en-US"/>
-          </a:p>
-        </p:txBody>
-      </p:sp>
-      <p:sp>
-        <p:nvSpPr>
-          <p:cNvPr id="54" name="テキスト ボックス 53"/>
-          <p:cNvSpPr txBox="1"/>
-          <p:nvPr/>
-        </p:nvSpPr>
-        <p:spPr>
-          <a:xfrm>
-            <a:off x="5980383" y="1971778"/>
-            <a:ext cx="1310931" cy="276999"/>
-          </a:xfrm>
-          <a:prstGeom prst="rect">
-            <a:avLst/>
-          </a:prstGeom>
-          <a:noFill/>
-        </p:spPr>
-        <p:txBody>
-          <a:bodyPr wrap="square" rtlCol="0">
-            <a:spAutoFit/>
-          </a:bodyPr>
-          <a:lstStyle/>
-          <a:p>
-            <a:pPr algn="ctr"/>
-            <a:r>
-              <a:rPr lang="ja-JP" altLang="en-US" sz="1200" dirty="0">
-                <a:latin typeface="HGP創英角ｺﾞｼｯｸUB" pitchFamily="50" charset="-128"/>
-                <a:ea typeface="HGP創英角ｺﾞｼｯｸUB" pitchFamily="50" charset="-128"/>
-              </a:rPr>
-              <a:t>学習</a:t>
-            </a:r>
-            <a:r>
-              <a:rPr lang="ja-JP" altLang="en-US" sz="1200" dirty="0" smtClean="0">
-                <a:latin typeface="HGP創英角ｺﾞｼｯｸUB" pitchFamily="50" charset="-128"/>
-                <a:ea typeface="HGP創英角ｺﾞｼｯｸUB" pitchFamily="50" charset="-128"/>
-              </a:rPr>
-              <a:t>データ保存</a:t>
-            </a:r>
-            <a:endParaRPr kumimoji="1" lang="ja-JP" altLang="en-US" sz="1200" dirty="0">
-              <a:latin typeface="HGP創英角ｺﾞｼｯｸUB" pitchFamily="50" charset="-128"/>
-              <a:ea typeface="HGP創英角ｺﾞｼｯｸUB" pitchFamily="50" charset="-128"/>
-            </a:endParaRPr>
-          </a:p>
-        </p:txBody>
-      </p:sp>
-      <p:pic>
-        <p:nvPicPr>
-          <p:cNvPr id="55" name="Picture 3"/>
-          <p:cNvPicPr>
-            <a:picLocks noChangeAspect="1" noChangeArrowheads="1"/>
-          </p:cNvPicPr>
-          <p:nvPr/>
-        </p:nvPicPr>
-        <p:blipFill>
-          <a:blip r:embed="rId3" cstate="print"/>
           <a:srcRect/>
           <a:stretch>
             <a:fillRect/>
@@ -5186,84 +6394,47 @@
         </p:blipFill>
         <p:spPr bwMode="auto">
           <a:xfrm>
-            <a:off x="2756942" y="3495675"/>
-            <a:ext cx="691407" cy="669801"/>
-          </a:xfrm>
-          <a:prstGeom prst="rect">
-            <a:avLst/>
-          </a:prstGeom>
-          <a:ln>
-            <a:noFill/>
-          </a:ln>
-          <a:effectLst>
-            <a:outerShdw blurRad="190500" algn="tl" rotWithShape="0">
-              <a:srgbClr val="000000">
-                <a:alpha val="70000"/>
-              </a:srgbClr>
-            </a:outerShdw>
-          </a:effectLst>
-        </p:spPr>
-      </p:pic>
-      <p:sp>
-        <p:nvSpPr>
-          <p:cNvPr id="57" name="テキスト ボックス 56"/>
-          <p:cNvSpPr txBox="1"/>
-          <p:nvPr/>
-        </p:nvSpPr>
-        <p:spPr>
-          <a:xfrm>
-            <a:off x="2411760" y="4116680"/>
-            <a:ext cx="1310931" cy="276999"/>
+            <a:off x="7721607" y="2186119"/>
+            <a:ext cx="1026857" cy="1026857"/>
           </a:xfrm>
           <a:prstGeom prst="rect">
             <a:avLst/>
           </a:prstGeom>
           <a:noFill/>
-        </p:spPr>
-        <p:txBody>
-          <a:bodyPr wrap="square" rtlCol="0">
-            <a:spAutoFit/>
-          </a:bodyPr>
-          <a:lstStyle/>
-          <a:p>
-            <a:pPr algn="ctr"/>
-            <a:r>
-              <a:rPr lang="en-US" altLang="ja-JP" sz="1200" dirty="0" err="1" smtClean="0">
-                <a:latin typeface="HGP創英角ｺﾞｼｯｸUB" pitchFamily="50" charset="-128"/>
-                <a:ea typeface="HGP創英角ｺﾞｼｯｸUB" pitchFamily="50" charset="-128"/>
-              </a:rPr>
-              <a:t>DRPCSpout</a:t>
-            </a:r>
-            <a:endParaRPr kumimoji="1" lang="ja-JP" altLang="en-US" sz="1200" dirty="0">
-              <a:latin typeface="HGP創英角ｺﾞｼｯｸUB" pitchFamily="50" charset="-128"/>
-              <a:ea typeface="HGP創英角ｺﾞｼｯｸUB" pitchFamily="50" charset="-128"/>
-            </a:endParaRPr>
-          </a:p>
-        </p:txBody>
-      </p:sp>
-      <p:sp>
-        <p:nvSpPr>
-          <p:cNvPr id="9" name="右カーブ矢印 8"/>
+          <a:extLst>
+            <a:ext uri="{909E8E84-426E-40DD-AFC4-6F175D3DCCD1}">
+              <a14:hiddenFill xmlns:a14="http://schemas.microsoft.com/office/drawing/2010/main" xmlns="">
+                <a:solidFill>
+                  <a:srgbClr val="FFFFFF"/>
+                </a:solidFill>
+              </a14:hiddenFill>
+            </a:ext>
+          </a:extLst>
+        </p:spPr>
+      </p:pic>
+      <p:sp>
+        <p:nvSpPr>
+          <p:cNvPr id="171" name="右矢印 170"/>
           <p:cNvSpPr/>
           <p:nvPr/>
         </p:nvSpPr>
         <p:spPr>
-          <a:xfrm>
-            <a:off x="1898656" y="1556792"/>
-            <a:ext cx="679124" cy="576064"/>
-          </a:xfrm>
-          <a:prstGeom prst="curvedRightArrow">
+          <a:xfrm rot="20542558" flipV="1">
+            <a:off x="6962140" y="2878458"/>
+            <a:ext cx="704655" cy="389657"/>
+          </a:xfrm>
+          <a:prstGeom prst="rightArrow">
             <a:avLst/>
           </a:prstGeom>
         </p:spPr>
         <p:style>
-          <a:lnRef idx="0">
+          <a:lnRef idx="1">
             <a:schemeClr val="accent1"/>
           </a:lnRef>
           <a:fillRef idx="3">
             <a:schemeClr val="accent1"/>
           </a:fillRef>
-          <a:effectRef idx="3">
+          <a:effectRef idx="2">
             <a:schemeClr val="accent1"/>
           </a:effectRef>
           <a:fontRef idx="minor">
@@ -5275,188 +6446,20 @@
           <a:lstStyle/>
           <a:p>
             <a:pPr algn="ctr"/>
-            <a:endParaRPr kumimoji="1" lang="ja-JP" altLang="en-US">
-              <a:solidFill>
-                <a:schemeClr val="tx1"/>
-              </a:solidFill>
-            </a:endParaRPr>
-          </a:p>
-        </p:txBody>
-      </p:sp>
-      <p:pic>
-        <p:nvPicPr>
-          <p:cNvPr id="10" name="図 9"/>
-          <p:cNvPicPr>
-            <a:picLocks noChangeAspect="1"/>
-          </p:cNvPicPr>
+            <a:endParaRPr kumimoji="1" lang="ja-JP" altLang="en-US"/>
+          </a:p>
+        </p:txBody>
+      </p:sp>
+      <p:sp>
+        <p:nvSpPr>
+          <p:cNvPr id="172" name="テキスト ボックス 171"/>
+          <p:cNvSpPr txBox="1"/>
           <p:nvPr/>
-        </p:nvPicPr>
-        <p:blipFill>
-          <a:blip r:embed="rId6">
-            <a:extLst>
-              <a:ext uri="{28A0092B-C50C-407E-A947-70E740481C1C}">
-                <a14:useLocalDpi xmlns:a14="http://schemas.microsoft.com/office/drawing/2010/main" val="0"/>
-              </a:ext>
-            </a:extLst>
-          </a:blip>
-          <a:stretch>
-            <a:fillRect/>
-          </a:stretch>
-        </p:blipFill>
+        </p:nvSpPr>
         <p:spPr>
           <a:xfrm>
-            <a:off x="1338896" y="2842060"/>
-            <a:ext cx="352784" cy="550344"/>
-          </a:xfrm>
-          <a:prstGeom prst="rect">
-            <a:avLst/>
-          </a:prstGeom>
-        </p:spPr>
-      </p:pic>
-      <p:cxnSp>
-        <p:nvCxnSpPr>
-          <p:cNvPr id="59" name="直線コネクタ 58"/>
-          <p:cNvCxnSpPr>
-            <a:stCxn id="60" idx="3"/>
-            <a:endCxn id="61" idx="1"/>
-          </p:cNvCxnSpPr>
-          <p:nvPr/>
-        </p:nvCxnSpPr>
-        <p:spPr bwMode="auto">
-          <a:xfrm>
-            <a:off x="4495800" y="3839322"/>
-            <a:ext cx="569048" cy="0"/>
-          </a:xfrm>
-          <a:prstGeom prst="line">
-            <a:avLst/>
-          </a:prstGeom>
-          <a:solidFill>
-            <a:srgbClr val="99CCFF"/>
-          </a:solidFill>
-          <a:ln w="38100" cap="flat" cmpd="sng" algn="ctr">
-            <a:solidFill>
-              <a:schemeClr val="tx1"/>
-            </a:solidFill>
-            <a:prstDash val="solid"/>
-            <a:round/>
-            <a:headEnd type="none" w="med" len="med"/>
-            <a:tailEnd type="arrow" w="med" len="med"/>
-          </a:ln>
-          <a:effectLst/>
-        </p:spPr>
-      </p:cxnSp>
-      <p:pic>
-        <p:nvPicPr>
-          <p:cNvPr id="60" name="Picture 4"/>
-          <p:cNvPicPr>
-            <a:picLocks noChangeAspect="1" noChangeArrowheads="1"/>
-          </p:cNvPicPr>
-          <p:nvPr/>
-        </p:nvPicPr>
-        <p:blipFill>
-          <a:blip r:embed="rId2" cstate="print"/>
-          <a:srcRect/>
-          <a:stretch>
-            <a:fillRect/>
-          </a:stretch>
-        </p:blipFill>
-        <p:spPr bwMode="auto">
-          <a:xfrm>
-            <a:off x="3908528" y="3529563"/>
-            <a:ext cx="587272" cy="619517"/>
-          </a:xfrm>
-          <a:prstGeom prst="rect">
-            <a:avLst/>
-          </a:prstGeom>
-          <a:ln>
-            <a:noFill/>
-          </a:ln>
-          <a:effectLst>
-            <a:outerShdw blurRad="190500" algn="tl" rotWithShape="0">
-              <a:srgbClr val="000000">
-                <a:alpha val="70000"/>
-              </a:srgbClr>
-            </a:outerShdw>
-          </a:effectLst>
-        </p:spPr>
-      </p:pic>
-      <p:pic>
-        <p:nvPicPr>
-          <p:cNvPr id="61" name="Picture 4"/>
-          <p:cNvPicPr>
-            <a:picLocks noChangeAspect="1" noChangeArrowheads="1"/>
-          </p:cNvPicPr>
-          <p:nvPr/>
-        </p:nvPicPr>
-        <p:blipFill>
-          <a:blip r:embed="rId2" cstate="print"/>
-          <a:srcRect/>
-          <a:stretch>
-            <a:fillRect/>
-          </a:stretch>
-        </p:blipFill>
-        <p:spPr bwMode="auto">
-          <a:xfrm>
-            <a:off x="5064848" y="3529563"/>
-            <a:ext cx="587272" cy="619517"/>
-          </a:xfrm>
-          <a:prstGeom prst="rect">
-            <a:avLst/>
-          </a:prstGeom>
-          <a:ln>
-            <a:noFill/>
-          </a:ln>
-          <a:effectLst>
-            <a:outerShdw blurRad="190500" algn="tl" rotWithShape="0">
-              <a:srgbClr val="000000">
-                <a:alpha val="70000"/>
-              </a:srgbClr>
-            </a:outerShdw>
-          </a:effectLst>
-        </p:spPr>
-      </p:pic>
-      <p:cxnSp>
-        <p:nvCxnSpPr>
-          <p:cNvPr id="64" name="直線コネクタ 63"/>
-          <p:cNvCxnSpPr>
-            <a:stCxn id="55" idx="3"/>
-            <a:endCxn id="60" idx="1"/>
-          </p:cNvCxnSpPr>
-          <p:nvPr/>
-        </p:nvCxnSpPr>
-        <p:spPr bwMode="auto">
-          <a:xfrm>
-            <a:off x="3448349" y="3830576"/>
-            <a:ext cx="460179" cy="8746"/>
-          </a:xfrm>
-          <a:prstGeom prst="line">
-            <a:avLst/>
-          </a:prstGeom>
-          <a:solidFill>
-            <a:srgbClr val="99CCFF"/>
-          </a:solidFill>
-          <a:ln w="38100" cap="flat" cmpd="sng" algn="ctr">
-            <a:solidFill>
-              <a:schemeClr val="tx1"/>
-            </a:solidFill>
-            <a:prstDash val="solid"/>
-            <a:round/>
-            <a:headEnd type="none" w="med" len="med"/>
-            <a:tailEnd type="arrow" w="med" len="med"/>
-          </a:ln>
-          <a:effectLst/>
-        </p:spPr>
-      </p:cxnSp>
-      <p:sp>
-        <p:nvSpPr>
-          <p:cNvPr id="65" name="テキスト ボックス 64"/>
-          <p:cNvSpPr txBox="1"/>
-          <p:nvPr/>
-        </p:nvSpPr>
-        <p:spPr>
-          <a:xfrm>
-            <a:off x="3535313" y="4097630"/>
-            <a:ext cx="1310931" cy="276999"/>
+            <a:off x="7740352" y="3140968"/>
+            <a:ext cx="1008112" cy="461665"/>
           </a:xfrm>
           <a:prstGeom prst="rect">
             <a:avLst/>
@@ -5471,11 +6474,31 @@
           <a:p>
             <a:pPr algn="ctr"/>
             <a:r>
-              <a:rPr lang="en-US" altLang="ja-JP" sz="1200" dirty="0" err="1" smtClean="0">
+              <a:rPr kumimoji="1" lang="ja-JP" altLang="en-US" sz="1200" dirty="0" smtClean="0">
                 <a:latin typeface="HGP創英角ｺﾞｼｯｸUB" pitchFamily="50" charset="-128"/>
                 <a:ea typeface="HGP創英角ｺﾞｼｯｸUB" pitchFamily="50" charset="-128"/>
               </a:rPr>
-              <a:t>TridentFunction</a:t>
+              <a:t>評価結果の</a:t>
+            </a:r>
+            <a:r>
+              <a:rPr kumimoji="1" lang="en-US" altLang="ja-JP" sz="1200" dirty="0" smtClean="0">
+                <a:latin typeface="HGP創英角ｺﾞｼｯｸUB" pitchFamily="50" charset="-128"/>
+                <a:ea typeface="HGP創英角ｺﾞｼｯｸUB" pitchFamily="50" charset="-128"/>
+              </a:rPr>
+              <a:t/>
+            </a:r>
+            <a:br>
+              <a:rPr kumimoji="1" lang="en-US" altLang="ja-JP" sz="1200" dirty="0" smtClean="0">
+                <a:latin typeface="HGP創英角ｺﾞｼｯｸUB" pitchFamily="50" charset="-128"/>
+                <a:ea typeface="HGP創英角ｺﾞｼｯｸUB" pitchFamily="50" charset="-128"/>
+              </a:rPr>
+            </a:br>
+            <a:r>
+              <a:rPr lang="ja-JP" altLang="en-US" sz="1200" dirty="0" smtClean="0">
+                <a:latin typeface="HGP創英角ｺﾞｼｯｸUB" pitchFamily="50" charset="-128"/>
+                <a:ea typeface="HGP創英角ｺﾞｼｯｸUB" pitchFamily="50" charset="-128"/>
+              </a:rPr>
+              <a:t>可視化</a:t>
             </a:r>
             <a:endParaRPr kumimoji="1" lang="ja-JP" altLang="en-US" sz="1200" dirty="0">
               <a:latin typeface="HGP創英角ｺﾞｼｯｸUB" pitchFamily="50" charset="-128"/>
@@ -5484,364 +6507,10 @@
           </a:p>
         </p:txBody>
       </p:sp>
-      <p:sp>
-        <p:nvSpPr>
-          <p:cNvPr id="67" name="テキスト ボックス 66"/>
-          <p:cNvSpPr txBox="1"/>
-          <p:nvPr/>
-        </p:nvSpPr>
-        <p:spPr>
-          <a:xfrm>
-            <a:off x="4754187" y="4105647"/>
-            <a:ext cx="1310931" cy="276999"/>
-          </a:xfrm>
-          <a:prstGeom prst="rect">
-            <a:avLst/>
-          </a:prstGeom>
-          <a:noFill/>
-        </p:spPr>
-        <p:txBody>
-          <a:bodyPr wrap="square" rtlCol="0">
-            <a:spAutoFit/>
-          </a:bodyPr>
-          <a:lstStyle/>
-          <a:p>
-            <a:pPr algn="ctr"/>
-            <a:r>
-              <a:rPr lang="en-US" altLang="ja-JP" sz="1200" dirty="0" err="1" smtClean="0">
-                <a:latin typeface="HGP創英角ｺﾞｼｯｸUB" pitchFamily="50" charset="-128"/>
-                <a:ea typeface="HGP創英角ｺﾞｼｯｸUB" pitchFamily="50" charset="-128"/>
-              </a:rPr>
-              <a:t>TridentQuery</a:t>
-            </a:r>
-            <a:endParaRPr kumimoji="1" lang="ja-JP" altLang="en-US" sz="1200" dirty="0">
-              <a:latin typeface="HGP創英角ｺﾞｼｯｸUB" pitchFamily="50" charset="-128"/>
-              <a:ea typeface="HGP創英角ｺﾞｼｯｸUB" pitchFamily="50" charset="-128"/>
-            </a:endParaRPr>
-          </a:p>
-        </p:txBody>
-      </p:sp>
-      <p:sp>
-        <p:nvSpPr>
-          <p:cNvPr id="13" name="左カーブ矢印 12"/>
-          <p:cNvSpPr/>
-          <p:nvPr/>
-        </p:nvSpPr>
-        <p:spPr>
-          <a:xfrm>
-            <a:off x="5868144" y="3545700"/>
-            <a:ext cx="1656184" cy="1251451"/>
-          </a:xfrm>
-          <a:prstGeom prst="curvedLeftArrow">
-            <a:avLst/>
-          </a:prstGeom>
-        </p:spPr>
-        <p:style>
-          <a:lnRef idx="0">
-            <a:schemeClr val="accent1"/>
-          </a:lnRef>
-          <a:fillRef idx="3">
-            <a:schemeClr val="accent1"/>
-          </a:fillRef>
-          <a:effectRef idx="3">
-            <a:schemeClr val="accent1"/>
-          </a:effectRef>
-          <a:fontRef idx="minor">
-            <a:schemeClr val="lt1"/>
-          </a:fontRef>
-        </p:style>
-        <p:txBody>
-          <a:bodyPr rtlCol="0" anchor="ctr"/>
-          <a:lstStyle/>
-          <a:p>
-            <a:pPr algn="ctr"/>
-            <a:endParaRPr kumimoji="1" lang="ja-JP" altLang="en-US">
-              <a:solidFill>
-                <a:schemeClr val="tx1"/>
-              </a:solidFill>
-            </a:endParaRPr>
-          </a:p>
-        </p:txBody>
-      </p:sp>
-      <p:sp>
-        <p:nvSpPr>
-          <p:cNvPr id="71" name="テキスト ボックス 70"/>
-          <p:cNvSpPr txBox="1"/>
-          <p:nvPr/>
-        </p:nvSpPr>
-        <p:spPr>
-          <a:xfrm>
-            <a:off x="6064047" y="3253904"/>
-            <a:ext cx="1310931" cy="276999"/>
-          </a:xfrm>
-          <a:prstGeom prst="rect">
-            <a:avLst/>
-          </a:prstGeom>
-          <a:noFill/>
-        </p:spPr>
-        <p:txBody>
-          <a:bodyPr wrap="square" rtlCol="0">
-            <a:spAutoFit/>
-          </a:bodyPr>
-          <a:lstStyle/>
-          <a:p>
-            <a:pPr algn="ctr"/>
-            <a:r>
-              <a:rPr lang="ja-JP" altLang="en-US" sz="1200" dirty="0" smtClean="0">
-                <a:latin typeface="HGP創英角ｺﾞｼｯｸUB" pitchFamily="50" charset="-128"/>
-                <a:ea typeface="HGP創英角ｺﾞｼｯｸUB" pitchFamily="50" charset="-128"/>
-              </a:rPr>
-              <a:t>結果</a:t>
-            </a:r>
-            <a:r>
-              <a:rPr lang="ja-JP" altLang="en-US" sz="1200" dirty="0">
-                <a:latin typeface="HGP創英角ｺﾞｼｯｸUB" pitchFamily="50" charset="-128"/>
-                <a:ea typeface="HGP創英角ｺﾞｼｯｸUB" pitchFamily="50" charset="-128"/>
-              </a:rPr>
-              <a:t>算出</a:t>
-            </a:r>
-            <a:endParaRPr kumimoji="1" lang="ja-JP" altLang="en-US" sz="1200" dirty="0">
-              <a:latin typeface="HGP創英角ｺﾞｼｯｸUB" pitchFamily="50" charset="-128"/>
-              <a:ea typeface="HGP創英角ｺﾞｼｯｸUB" pitchFamily="50" charset="-128"/>
-            </a:endParaRPr>
-          </a:p>
-        </p:txBody>
-      </p:sp>
-      <p:sp>
-        <p:nvSpPr>
-          <p:cNvPr id="72" name="角丸四角形 71"/>
-          <p:cNvSpPr/>
-          <p:nvPr/>
-        </p:nvSpPr>
-        <p:spPr bwMode="auto">
-          <a:xfrm>
-            <a:off x="624470" y="3717032"/>
-            <a:ext cx="1715282" cy="1068203"/>
-          </a:xfrm>
-          <a:prstGeom prst="roundRect">
-            <a:avLst/>
-          </a:prstGeom>
-          <a:ln>
-            <a:headEnd type="none" w="med" len="med"/>
-            <a:tailEnd type="none" w="med" len="med"/>
-          </a:ln>
-        </p:spPr>
-        <p:style>
-          <a:lnRef idx="1">
-            <a:schemeClr val="accent2"/>
-          </a:lnRef>
-          <a:fillRef idx="2">
-            <a:schemeClr val="accent2"/>
-          </a:fillRef>
-          <a:effectRef idx="1">
-            <a:schemeClr val="accent2"/>
-          </a:effectRef>
-          <a:fontRef idx="minor">
-            <a:schemeClr val="dk1"/>
-          </a:fontRef>
-        </p:style>
-        <p:txBody>
-          <a:bodyPr vert="horz" wrap="square" lIns="91440" tIns="45720" rIns="91440" bIns="45720" numCol="1" rtlCol="0" anchor="t" anchorCtr="0" compatLnSpc="1">
-            <a:prstTxWarp prst="textNoShape">
-              <a:avLst/>
-            </a:prstTxWarp>
-            <a:noAutofit/>
-          </a:bodyPr>
-          <a:lstStyle/>
-          <a:p>
-            <a:pPr algn="ctr"/>
-            <a:r>
-              <a:rPr kumimoji="1" lang="en-US" altLang="ja-JP" sz="1600" dirty="0" err="1" smtClean="0">
-                <a:solidFill>
-                  <a:schemeClr val="tx1"/>
-                </a:solidFill>
-                <a:latin typeface="HGP創英角ｺﾞｼｯｸUB" panose="020B0900000000000000" pitchFamily="50" charset="-128"/>
-                <a:ea typeface="HGP創英角ｺﾞｼｯｸUB" panose="020B0900000000000000" pitchFamily="50" charset="-128"/>
-              </a:rPr>
-              <a:t>DRPC</a:t>
-            </a:r>
-            <a:r>
-              <a:rPr kumimoji="1" lang="en-US" altLang="ja-JP" sz="1600" dirty="0" smtClean="0">
-                <a:solidFill>
-                  <a:schemeClr val="tx1"/>
-                </a:solidFill>
-                <a:latin typeface="HGP創英角ｺﾞｼｯｸUB" panose="020B0900000000000000" pitchFamily="50" charset="-128"/>
-                <a:ea typeface="HGP創英角ｺﾞｼｯｸUB" panose="020B0900000000000000" pitchFamily="50" charset="-128"/>
-              </a:rPr>
-              <a:t> Client</a:t>
-            </a:r>
-            <a:endParaRPr kumimoji="1" lang="en-US" altLang="ja-JP" sz="1600" dirty="0" smtClean="0">
-              <a:solidFill>
-                <a:schemeClr val="tx1"/>
-              </a:solidFill>
-              <a:latin typeface="HGP創英角ｺﾞｼｯｸUB" panose="020B0900000000000000" pitchFamily="50" charset="-128"/>
-              <a:ea typeface="HGP創英角ｺﾞｼｯｸUB" panose="020B0900000000000000" pitchFamily="50" charset="-128"/>
-            </a:endParaRPr>
-          </a:p>
-        </p:txBody>
-      </p:sp>
-      <p:sp>
-        <p:nvSpPr>
-          <p:cNvPr id="73" name="円/楕円 72"/>
-          <p:cNvSpPr/>
-          <p:nvPr/>
-        </p:nvSpPr>
-        <p:spPr bwMode="auto">
-          <a:xfrm>
-            <a:off x="2043725" y="4196403"/>
-            <a:ext cx="199407" cy="216025"/>
-          </a:xfrm>
-          <a:prstGeom prst="ellipse">
-            <a:avLst/>
-          </a:prstGeom>
-          <a:ln>
-            <a:headEnd type="none" w="med" len="med"/>
-            <a:tailEnd type="none" w="med" len="med"/>
-          </a:ln>
-        </p:spPr>
-        <p:style>
-          <a:lnRef idx="1">
-            <a:schemeClr val="accent2"/>
-          </a:lnRef>
-          <a:fillRef idx="3">
-            <a:schemeClr val="accent2"/>
-          </a:fillRef>
-          <a:effectRef idx="2">
-            <a:schemeClr val="accent2"/>
-          </a:effectRef>
-          <a:fontRef idx="minor">
-            <a:schemeClr val="lt1"/>
-          </a:fontRef>
-        </p:style>
-        <p:txBody>
-          <a:bodyPr vert="horz" wrap="square" lIns="91440" tIns="45720" rIns="91440" bIns="45720" numCol="1" rtlCol="0" anchor="ctr" anchorCtr="0" compatLnSpc="1">
-            <a:prstTxWarp prst="textNoShape">
-              <a:avLst/>
-            </a:prstTxWarp>
-            <a:noAutofit/>
-          </a:bodyPr>
-          <a:lstStyle/>
-          <a:p>
-            <a:pPr algn="ctr"/>
-            <a:endParaRPr kumimoji="1" lang="ja-JP" altLang="en-US" sz="1400" dirty="0" smtClean="0">
-              <a:solidFill>
-                <a:schemeClr val="tx1"/>
-              </a:solidFill>
-              <a:latin typeface="HGP創英角ｺﾞｼｯｸUB" panose="020B0900000000000000" pitchFamily="50" charset="-128"/>
-              <a:ea typeface="HGP創英角ｺﾞｼｯｸUB" panose="020B0900000000000000" pitchFamily="50" charset="-128"/>
-            </a:endParaRPr>
-          </a:p>
-        </p:txBody>
-      </p:sp>
-      <p:cxnSp>
-        <p:nvCxnSpPr>
-          <p:cNvPr id="74" name="直線コネクタ 73"/>
-          <p:cNvCxnSpPr>
-            <a:stCxn id="73" idx="7"/>
-            <a:endCxn id="55" idx="1"/>
-          </p:cNvCxnSpPr>
-          <p:nvPr/>
-        </p:nvCxnSpPr>
-        <p:spPr bwMode="auto">
-          <a:xfrm flipV="1">
-            <a:off x="2213930" y="3830576"/>
-            <a:ext cx="543012" cy="397463"/>
-          </a:xfrm>
-          <a:prstGeom prst="line">
-            <a:avLst/>
-          </a:prstGeom>
-          <a:solidFill>
-            <a:srgbClr val="99CCFF"/>
-          </a:solidFill>
-          <a:ln w="38100" cap="flat" cmpd="sng" algn="ctr">
-            <a:solidFill>
-              <a:schemeClr val="tx1"/>
-            </a:solidFill>
-            <a:prstDash val="solid"/>
-            <a:round/>
-            <a:headEnd type="none" w="med" len="med"/>
-            <a:tailEnd type="none" w="med" len="med"/>
-          </a:ln>
-          <a:effectLst/>
-        </p:spPr>
-      </p:cxnSp>
-      <p:cxnSp>
-        <p:nvCxnSpPr>
-          <p:cNvPr id="75" name="直線コネクタ 74"/>
-          <p:cNvCxnSpPr/>
-          <p:nvPr/>
-        </p:nvCxnSpPr>
-        <p:spPr bwMode="auto">
-          <a:xfrm flipH="1">
-            <a:off x="2213930" y="4509120"/>
-            <a:ext cx="3648646" cy="0"/>
-          </a:xfrm>
-          <a:prstGeom prst="line">
-            <a:avLst/>
-          </a:prstGeom>
-          <a:solidFill>
-            <a:srgbClr val="99CCFF"/>
-          </a:solidFill>
-          <a:ln w="38100" cap="flat" cmpd="sng" algn="ctr">
-            <a:solidFill>
-              <a:schemeClr val="tx1"/>
-            </a:solidFill>
-            <a:prstDash val="solid"/>
-            <a:round/>
-            <a:headEnd type="none" w="med" len="med"/>
-            <a:tailEnd type="arrow" w="med" len="med"/>
-          </a:ln>
-          <a:effectLst/>
-        </p:spPr>
-      </p:cxnSp>
-      <p:sp>
-        <p:nvSpPr>
-          <p:cNvPr id="76" name="テキスト ボックス 75"/>
-          <p:cNvSpPr txBox="1"/>
-          <p:nvPr/>
-        </p:nvSpPr>
-        <p:spPr>
-          <a:xfrm>
-            <a:off x="3434078" y="4520152"/>
-            <a:ext cx="1310931" cy="276999"/>
-          </a:xfrm>
-          <a:prstGeom prst="rect">
-            <a:avLst/>
-          </a:prstGeom>
-          <a:noFill/>
-        </p:spPr>
-        <p:txBody>
-          <a:bodyPr wrap="square" rtlCol="0">
-            <a:spAutoFit/>
-          </a:bodyPr>
-          <a:lstStyle/>
-          <a:p>
-            <a:pPr algn="ctr"/>
-            <a:r>
-              <a:rPr lang="ja-JP" altLang="en-US" sz="1200" dirty="0" smtClean="0">
-                <a:latin typeface="HGP創英角ｺﾞｼｯｸUB" pitchFamily="50" charset="-128"/>
-                <a:ea typeface="HGP創英角ｺﾞｼｯｸUB" pitchFamily="50" charset="-128"/>
-              </a:rPr>
-              <a:t>結果</a:t>
-            </a:r>
-            <a:r>
-              <a:rPr lang="ja-JP" altLang="en-US" sz="1200" dirty="0">
-                <a:latin typeface="HGP創英角ｺﾞｼｯｸUB" pitchFamily="50" charset="-128"/>
-                <a:ea typeface="HGP創英角ｺﾞｼｯｸUB" pitchFamily="50" charset="-128"/>
-              </a:rPr>
-              <a:t>応答</a:t>
-            </a:r>
-            <a:endParaRPr kumimoji="1" lang="ja-JP" altLang="en-US" sz="1200" dirty="0">
-              <a:latin typeface="HGP創英角ｺﾞｼｯｸUB" pitchFamily="50" charset="-128"/>
-              <a:ea typeface="HGP創英角ｺﾞｼｯｸUB" pitchFamily="50" charset="-128"/>
-            </a:endParaRPr>
-          </a:p>
-        </p:txBody>
-      </p:sp>
     </p:spTree>
     <p:extLst>
       <p:ext uri="{BB962C8B-B14F-4D97-AF65-F5344CB8AC3E}">
-        <p14:creationId xmlns:p14="http://schemas.microsoft.com/office/powerpoint/2010/main" val="888553644"/>
+        <p14:creationId xmlns:p14="http://schemas.microsoft.com/office/powerpoint/2010/main" xmlns="" val="888553644"/>
       </p:ext>
     </p:extLst>
   </p:cSld>

--- a/images/Figure.pptx
+++ b/images/Figure.pptx
@@ -193,7 +193,7 @@
             <a:fld id="{B128444A-E8C5-4F0C-BB3E-6DC882EFD45E}" type="datetimeFigureOut">
               <a:rPr kumimoji="1" lang="ja-JP" altLang="en-US" smtClean="0"/>
               <a:pPr/>
-              <a:t>2014/1/22</a:t>
+              <a:t>2014/1/24</a:t>
             </a:fld>
             <a:endParaRPr kumimoji="1" lang="ja-JP" altLang="en-US"/>
           </a:p>
@@ -394,7 +394,7 @@
     </p:spTree>
     <p:extLst>
       <p:ext uri="{BB962C8B-B14F-4D97-AF65-F5344CB8AC3E}">
-        <p14:creationId xmlns:p14="http://schemas.microsoft.com/office/powerpoint/2010/main" xmlns="" val="3005601502"/>
+        <p14:creationId xmlns="" xmlns:p14="http://schemas.microsoft.com/office/powerpoint/2010/main" val="3005601502"/>
       </p:ext>
     </p:extLst>
   </p:cSld>
@@ -676,7 +676,7 @@
             <a:fld id="{98CA5088-1DB9-45F3-9CA5-1754A7FC21E2}" type="datetime1">
               <a:rPr kumimoji="1" lang="ja-JP" altLang="en-US" smtClean="0"/>
               <a:pPr/>
-              <a:t>2014/1/22</a:t>
+              <a:t>2014/1/24</a:t>
             </a:fld>
             <a:endParaRPr kumimoji="1" lang="ja-JP" altLang="en-US"/>
           </a:p>
@@ -744,7 +744,7 @@
     </p:spTree>
     <p:extLst>
       <p:ext uri="{BB962C8B-B14F-4D97-AF65-F5344CB8AC3E}">
-        <p14:creationId xmlns:p14="http://schemas.microsoft.com/office/powerpoint/2010/main" xmlns="" val="4288202189"/>
+        <p14:creationId xmlns="" xmlns:p14="http://schemas.microsoft.com/office/powerpoint/2010/main" val="4288202189"/>
       </p:ext>
     </p:extLst>
   </p:cSld>
@@ -903,7 +903,7 @@
             <a:fld id="{F08598D1-33B5-4C12-8533-694C8278BD99}" type="datetime1">
               <a:rPr kumimoji="1" lang="ja-JP" altLang="en-US" smtClean="0"/>
               <a:pPr/>
-              <a:t>2014/1/22</a:t>
+              <a:t>2014/1/24</a:t>
             </a:fld>
             <a:endParaRPr kumimoji="1" lang="ja-JP" altLang="en-US"/>
           </a:p>
@@ -971,7 +971,7 @@
     </p:spTree>
     <p:extLst>
       <p:ext uri="{BB962C8B-B14F-4D97-AF65-F5344CB8AC3E}">
-        <p14:creationId xmlns:p14="http://schemas.microsoft.com/office/powerpoint/2010/main" xmlns="" val="1267076410"/>
+        <p14:creationId xmlns="" xmlns:p14="http://schemas.microsoft.com/office/powerpoint/2010/main" val="1267076410"/>
       </p:ext>
     </p:extLst>
   </p:cSld>
@@ -1133,7 +1133,7 @@
             <a:fld id="{365CFD91-A1FD-4041-8CAD-56BAB71044E2}" type="datetime1">
               <a:rPr kumimoji="1" lang="ja-JP" altLang="en-US" smtClean="0"/>
               <a:pPr/>
-              <a:t>2014/1/22</a:t>
+              <a:t>2014/1/24</a:t>
             </a:fld>
             <a:endParaRPr kumimoji="1" lang="ja-JP" altLang="en-US"/>
           </a:p>
@@ -1201,7 +1201,7 @@
     </p:spTree>
     <p:extLst>
       <p:ext uri="{BB962C8B-B14F-4D97-AF65-F5344CB8AC3E}">
-        <p14:creationId xmlns:p14="http://schemas.microsoft.com/office/powerpoint/2010/main" xmlns="" val="131169351"/>
+        <p14:creationId xmlns="" xmlns:p14="http://schemas.microsoft.com/office/powerpoint/2010/main" val="131169351"/>
       </p:ext>
     </p:extLst>
   </p:cSld>
@@ -1369,7 +1369,7 @@
             <a:fld id="{D5DA7B09-BD3A-4232-ACF7-EE15780F0CC0}" type="datetime1">
               <a:rPr kumimoji="1" lang="ja-JP" altLang="en-US" smtClean="0"/>
               <a:pPr/>
-              <a:t>2014/1/22</a:t>
+              <a:t>2014/1/24</a:t>
             </a:fld>
             <a:endParaRPr kumimoji="1" lang="ja-JP" altLang="en-US"/>
           </a:p>
@@ -1437,7 +1437,7 @@
     </p:spTree>
     <p:extLst>
       <p:ext uri="{BB962C8B-B14F-4D97-AF65-F5344CB8AC3E}">
-        <p14:creationId xmlns:p14="http://schemas.microsoft.com/office/powerpoint/2010/main" xmlns="" val="2965433282"/>
+        <p14:creationId xmlns="" xmlns:p14="http://schemas.microsoft.com/office/powerpoint/2010/main" val="2965433282"/>
       </p:ext>
     </p:extLst>
   </p:cSld>
@@ -1640,7 +1640,7 @@
             <a:fld id="{0D0D1810-8CDE-4EB3-A610-E546E3279C42}" type="datetime1">
               <a:rPr kumimoji="1" lang="ja-JP" altLang="en-US" smtClean="0"/>
               <a:pPr/>
-              <a:t>2014/1/22</a:t>
+              <a:t>2014/1/24</a:t>
             </a:fld>
             <a:endParaRPr kumimoji="1" lang="ja-JP" altLang="en-US"/>
           </a:p>
@@ -1708,7 +1708,7 @@
     </p:spTree>
     <p:extLst>
       <p:ext uri="{BB962C8B-B14F-4D97-AF65-F5344CB8AC3E}">
-        <p14:creationId xmlns:p14="http://schemas.microsoft.com/office/powerpoint/2010/main" xmlns="" val="3905738892"/>
+        <p14:creationId xmlns="" xmlns:p14="http://schemas.microsoft.com/office/powerpoint/2010/main" val="3905738892"/>
       </p:ext>
     </p:extLst>
   </p:cSld>
@@ -2017,7 +2017,7 @@
             <a:fld id="{5F510316-3E58-4FB0-A691-69A3A53E6EA4}" type="datetime1">
               <a:rPr kumimoji="1" lang="ja-JP" altLang="en-US" smtClean="0"/>
               <a:pPr/>
-              <a:t>2014/1/22</a:t>
+              <a:t>2014/1/24</a:t>
             </a:fld>
             <a:endParaRPr kumimoji="1" lang="ja-JP" altLang="en-US"/>
           </a:p>
@@ -2085,7 +2085,7 @@
     </p:spTree>
     <p:extLst>
       <p:ext uri="{BB962C8B-B14F-4D97-AF65-F5344CB8AC3E}">
-        <p14:creationId xmlns:p14="http://schemas.microsoft.com/office/powerpoint/2010/main" xmlns="" val="3210205056"/>
+        <p14:creationId xmlns="" xmlns:p14="http://schemas.microsoft.com/office/powerpoint/2010/main" val="3210205056"/>
       </p:ext>
     </p:extLst>
   </p:cSld>
@@ -2528,7 +2528,7 @@
             <a:fld id="{D343C661-5868-4D02-BEA3-E5C82AC3A65B}" type="datetime1">
               <a:rPr kumimoji="1" lang="ja-JP" altLang="en-US" smtClean="0"/>
               <a:pPr/>
-              <a:t>2014/1/22</a:t>
+              <a:t>2014/1/24</a:t>
             </a:fld>
             <a:endParaRPr kumimoji="1" lang="ja-JP" altLang="en-US"/>
           </a:p>
@@ -2596,7 +2596,7 @@
     </p:spTree>
     <p:extLst>
       <p:ext uri="{BB962C8B-B14F-4D97-AF65-F5344CB8AC3E}">
-        <p14:creationId xmlns:p14="http://schemas.microsoft.com/office/powerpoint/2010/main" xmlns="" val="342878282"/>
+        <p14:creationId xmlns="" xmlns:p14="http://schemas.microsoft.com/office/powerpoint/2010/main" val="342878282"/>
       </p:ext>
     </p:extLst>
   </p:cSld>
@@ -2664,7 +2664,7 @@
             <a:fld id="{0F16E0ED-2220-4309-9B14-0B2F39EC8D3F}" type="datetime1">
               <a:rPr kumimoji="1" lang="ja-JP" altLang="en-US" smtClean="0"/>
               <a:pPr/>
-              <a:t>2014/1/22</a:t>
+              <a:t>2014/1/24</a:t>
             </a:fld>
             <a:endParaRPr kumimoji="1" lang="ja-JP" altLang="en-US"/>
           </a:p>
@@ -2732,7 +2732,7 @@
     </p:spTree>
     <p:extLst>
       <p:ext uri="{BB962C8B-B14F-4D97-AF65-F5344CB8AC3E}">
-        <p14:creationId xmlns:p14="http://schemas.microsoft.com/office/powerpoint/2010/main" xmlns="" val="1483256343"/>
+        <p14:creationId xmlns="" xmlns:p14="http://schemas.microsoft.com/office/powerpoint/2010/main" val="1483256343"/>
       </p:ext>
     </p:extLst>
   </p:cSld>
@@ -2777,7 +2777,7 @@
             <a:fld id="{EA8D104D-606A-43F6-AA93-82E14EED734E}" type="datetime1">
               <a:rPr kumimoji="1" lang="ja-JP" altLang="en-US" smtClean="0"/>
               <a:pPr/>
-              <a:t>2014/1/22</a:t>
+              <a:t>2014/1/24</a:t>
             </a:fld>
             <a:endParaRPr kumimoji="1" lang="ja-JP" altLang="en-US"/>
           </a:p>
@@ -2845,7 +2845,7 @@
     </p:spTree>
     <p:extLst>
       <p:ext uri="{BB962C8B-B14F-4D97-AF65-F5344CB8AC3E}">
-        <p14:creationId xmlns:p14="http://schemas.microsoft.com/office/powerpoint/2010/main" xmlns="" val="1792883849"/>
+        <p14:creationId xmlns="" xmlns:p14="http://schemas.microsoft.com/office/powerpoint/2010/main" val="1792883849"/>
       </p:ext>
     </p:extLst>
   </p:cSld>
@@ -3104,7 +3104,7 @@
             <a:fld id="{E040285E-52A1-4954-881F-D8D4CC5F7146}" type="datetime1">
               <a:rPr kumimoji="1" lang="ja-JP" altLang="en-US" smtClean="0"/>
               <a:pPr/>
-              <a:t>2014/1/22</a:t>
+              <a:t>2014/1/24</a:t>
             </a:fld>
             <a:endParaRPr kumimoji="1" lang="ja-JP" altLang="en-US"/>
           </a:p>
@@ -3172,7 +3172,7 @@
     </p:spTree>
     <p:extLst>
       <p:ext uri="{BB962C8B-B14F-4D97-AF65-F5344CB8AC3E}">
-        <p14:creationId xmlns:p14="http://schemas.microsoft.com/office/powerpoint/2010/main" xmlns="" val="1110434741"/>
+        <p14:creationId xmlns="" xmlns:p14="http://schemas.microsoft.com/office/powerpoint/2010/main" val="1110434741"/>
       </p:ext>
     </p:extLst>
   </p:cSld>
@@ -3375,7 +3375,7 @@
             <a:fld id="{F60693A6-EF6E-44B0-A991-A56AB7E0A53E}" type="datetime1">
               <a:rPr kumimoji="1" lang="ja-JP" altLang="en-US" smtClean="0"/>
               <a:pPr/>
-              <a:t>2014/1/22</a:t>
+              <a:t>2014/1/24</a:t>
             </a:fld>
             <a:endParaRPr kumimoji="1" lang="ja-JP" altLang="en-US"/>
           </a:p>
@@ -3443,7 +3443,7 @@
     </p:spTree>
     <p:extLst>
       <p:ext uri="{BB962C8B-B14F-4D97-AF65-F5344CB8AC3E}">
-        <p14:creationId xmlns:p14="http://schemas.microsoft.com/office/powerpoint/2010/main" xmlns="" val="2876252207"/>
+        <p14:creationId xmlns="" xmlns:p14="http://schemas.microsoft.com/office/powerpoint/2010/main" val="2876252207"/>
       </p:ext>
     </p:extLst>
   </p:cSld>
@@ -3638,7 +3638,7 @@
             <a:fld id="{D0B71BB7-16C3-4F6D-AC67-011FF4B5FF73}" type="datetime1">
               <a:rPr lang="ja-JP" altLang="en-US" smtClean="0"/>
               <a:pPr/>
-              <a:t>2014/1/22</a:t>
+              <a:t>2014/1/24</a:t>
             </a:fld>
             <a:endParaRPr lang="ja-JP" altLang="en-US"/>
           </a:p>
@@ -3742,7 +3742,7 @@
     </p:spTree>
     <p:extLst>
       <p:ext uri="{BB962C8B-B14F-4D97-AF65-F5344CB8AC3E}">
-        <p14:creationId xmlns:p14="http://schemas.microsoft.com/office/powerpoint/2010/main" xmlns="" val="4127177390"/>
+        <p14:creationId xmlns="" xmlns:p14="http://schemas.microsoft.com/office/powerpoint/2010/main" val="4127177390"/>
       </p:ext>
     </p:extLst>
   </p:cSld>
@@ -4160,8 +4160,8 @@
         </p:nvSpPr>
         <p:spPr bwMode="auto">
           <a:xfrm>
-            <a:off x="2411760" y="1312193"/>
-            <a:ext cx="792088" cy="648072"/>
+            <a:off x="2267744" y="1312193"/>
+            <a:ext cx="936104" cy="648072"/>
           </a:xfrm>
           <a:prstGeom prst="ellipse">
             <a:avLst/>
@@ -4196,41 +4196,41 @@
           <a:p>
             <a:pPr algn="ctr"/>
             <a:r>
-              <a:rPr kumimoji="1" lang="ja-JP" altLang="en-US" sz="1050" b="1" dirty="0" smtClean="0">
+              <a:rPr kumimoji="1" lang="ja-JP" altLang="en-US" sz="1200" dirty="0" smtClean="0">
                 <a:solidFill>
                   <a:schemeClr val="tx1"/>
                 </a:solidFill>
-                <a:latin typeface="Verdana" pitchFamily="34" charset="0"/>
-                <a:ea typeface="ＭＳ Ｐゴシック" pitchFamily="50" charset="-128"/>
+                <a:latin typeface="HGP創英角ｺﾞｼｯｸUB" pitchFamily="50" charset="-128"/>
+                <a:ea typeface="HGP創英角ｺﾞｼｯｸUB" pitchFamily="50" charset="-128"/>
               </a:rPr>
               <a:t>データ</a:t>
             </a:r>
             <a:r>
-              <a:rPr kumimoji="1" lang="en-US" altLang="ja-JP" sz="1050" b="1" dirty="0" smtClean="0">
+              <a:rPr kumimoji="1" lang="en-US" altLang="ja-JP" sz="1200" dirty="0" smtClean="0">
                 <a:solidFill>
                   <a:schemeClr val="tx1"/>
                 </a:solidFill>
-                <a:latin typeface="Verdana" pitchFamily="34" charset="0"/>
-                <a:ea typeface="ＭＳ Ｐゴシック" pitchFamily="50" charset="-128"/>
+                <a:latin typeface="HGP創英角ｺﾞｼｯｸUB" pitchFamily="50" charset="-128"/>
+                <a:ea typeface="HGP創英角ｺﾞｼｯｸUB" pitchFamily="50" charset="-128"/>
               </a:rPr>
               <a:t/>
             </a:r>
             <a:br>
-              <a:rPr kumimoji="1" lang="en-US" altLang="ja-JP" sz="1050" b="1" dirty="0" smtClean="0">
+              <a:rPr kumimoji="1" lang="en-US" altLang="ja-JP" sz="1200" dirty="0" smtClean="0">
                 <a:solidFill>
                   <a:schemeClr val="tx1"/>
                 </a:solidFill>
-                <a:latin typeface="Verdana" pitchFamily="34" charset="0"/>
-                <a:ea typeface="ＭＳ Ｐゴシック" pitchFamily="50" charset="-128"/>
+                <a:latin typeface="HGP創英角ｺﾞｼｯｸUB" pitchFamily="50" charset="-128"/>
+                <a:ea typeface="HGP創英角ｺﾞｼｯｸUB" pitchFamily="50" charset="-128"/>
               </a:rPr>
             </a:br>
             <a:r>
-              <a:rPr kumimoji="1" lang="ja-JP" altLang="en-US" sz="1050" b="1" dirty="0" smtClean="0">
+              <a:rPr kumimoji="1" lang="ja-JP" altLang="en-US" sz="1200" dirty="0" smtClean="0">
                 <a:solidFill>
                   <a:schemeClr val="tx1"/>
                 </a:solidFill>
-                <a:latin typeface="Verdana" pitchFamily="34" charset="0"/>
-                <a:ea typeface="ＭＳ Ｐゴシック" pitchFamily="50" charset="-128"/>
+                <a:latin typeface="HGP創英角ｺﾞｼｯｸUB" pitchFamily="50" charset="-128"/>
+                <a:ea typeface="HGP創英角ｺﾞｼｯｸUB" pitchFamily="50" charset="-128"/>
               </a:rPr>
               <a:t>取得</a:t>
             </a:r>
@@ -4282,17 +4282,21 @@
           <a:lstStyle/>
           <a:p>
             <a:r>
-              <a:rPr kumimoji="1" lang="ja-JP" altLang="en-US" sz="1200" b="1" dirty="0" smtClean="0">
+              <a:rPr kumimoji="1" lang="ja-JP" altLang="en-US" sz="1200" dirty="0" smtClean="0">
                 <a:solidFill>
                   <a:schemeClr val="tx1"/>
                 </a:solidFill>
+                <a:latin typeface="HGP創英角ｺﾞｼｯｸUB" pitchFamily="50" charset="-128"/>
+                <a:ea typeface="HGP創英角ｺﾞｼｯｸUB" pitchFamily="50" charset="-128"/>
               </a:rPr>
               <a:t>学習ストリーム</a:t>
             </a:r>
-            <a:endParaRPr kumimoji="1" lang="ja-JP" altLang="en-US" sz="1200" b="1" dirty="0">
+            <a:endParaRPr kumimoji="1" lang="ja-JP" altLang="en-US" sz="1200" dirty="0">
               <a:solidFill>
                 <a:schemeClr val="tx1"/>
               </a:solidFill>
+              <a:latin typeface="HGP創英角ｺﾞｼｯｸUB" pitchFamily="50" charset="-128"/>
+              <a:ea typeface="HGP創英角ｺﾞｼｯｸUB" pitchFamily="50" charset="-128"/>
             </a:endParaRPr>
           </a:p>
         </p:txBody>
@@ -4343,22 +4347,15 @@
           <a:p>
             <a:pPr algn="ctr"/>
             <a:r>
-              <a:rPr kumimoji="1" lang="ja-JP" altLang="en-US" sz="1050" b="1" dirty="0" smtClean="0">
+              <a:rPr kumimoji="1" lang="ja-JP" altLang="en-US" sz="1200" dirty="0" smtClean="0">
                 <a:solidFill>
                   <a:schemeClr val="tx1"/>
                 </a:solidFill>
-                <a:latin typeface="Verdana" pitchFamily="34" charset="0"/>
-                <a:ea typeface="ＭＳ Ｐゴシック" pitchFamily="50" charset="-128"/>
+                <a:latin typeface="HGP創英角ｺﾞｼｯｸUB" pitchFamily="50" charset="-128"/>
+                <a:ea typeface="HGP創英角ｺﾞｼｯｸUB" pitchFamily="50" charset="-128"/>
               </a:rPr>
               <a:t>解析</a:t>
             </a:r>
-            <a:endParaRPr kumimoji="1" lang="ja-JP" altLang="en-US" sz="1050" b="1" dirty="0" smtClean="0">
-              <a:solidFill>
-                <a:schemeClr val="tx1"/>
-              </a:solidFill>
-              <a:latin typeface="Verdana" pitchFamily="34" charset="0"/>
-              <a:ea typeface="ＭＳ Ｐゴシック" pitchFamily="50" charset="-128"/>
-            </a:endParaRPr>
           </a:p>
         </p:txBody>
       </p:sp>
@@ -4408,12 +4405,12 @@
           <a:p>
             <a:pPr algn="ctr"/>
             <a:r>
-              <a:rPr lang="ja-JP" altLang="en-US" sz="1050" b="1" dirty="0" smtClean="0">
+              <a:rPr lang="ja-JP" altLang="en-US" sz="1200" dirty="0" smtClean="0">
                 <a:solidFill>
                   <a:schemeClr val="tx1"/>
                 </a:solidFill>
-                <a:latin typeface="Verdana" pitchFamily="34" charset="0"/>
-                <a:ea typeface="ＭＳ Ｐゴシック" pitchFamily="50" charset="-128"/>
+                <a:latin typeface="HGP創英角ｺﾞｼｯｸUB" pitchFamily="50" charset="-128"/>
+                <a:ea typeface="HGP創英角ｺﾞｼｯｸUB" pitchFamily="50" charset="-128"/>
               </a:rPr>
               <a:t>解析</a:t>
             </a:r>
@@ -4466,12 +4463,12 @@
           <a:p>
             <a:pPr algn="ctr"/>
             <a:r>
-              <a:rPr lang="ja-JP" altLang="en-US" sz="1050" b="1" dirty="0" smtClean="0">
+              <a:rPr lang="ja-JP" altLang="en-US" sz="1200" dirty="0" smtClean="0">
                 <a:solidFill>
                   <a:schemeClr val="tx1"/>
                 </a:solidFill>
-                <a:latin typeface="Verdana" pitchFamily="34" charset="0"/>
-                <a:ea typeface="ＭＳ Ｐゴシック" pitchFamily="50" charset="-128"/>
+                <a:latin typeface="HGP創英角ｺﾞｼｯｸUB" pitchFamily="50" charset="-128"/>
+                <a:ea typeface="HGP創英角ｺﾞｼｯｸUB" pitchFamily="50" charset="-128"/>
               </a:rPr>
               <a:t>解析</a:t>
             </a:r>
@@ -4524,12 +4521,12 @@
           <a:p>
             <a:pPr algn="ctr"/>
             <a:r>
-              <a:rPr lang="ja-JP" altLang="en-US" sz="1050" b="1" dirty="0" smtClean="0">
+              <a:rPr lang="ja-JP" altLang="en-US" sz="1200" dirty="0" smtClean="0">
                 <a:solidFill>
                   <a:schemeClr val="tx1"/>
                 </a:solidFill>
-                <a:latin typeface="Verdana" pitchFamily="34" charset="0"/>
-                <a:ea typeface="ＭＳ Ｐゴシック" pitchFamily="50" charset="-128"/>
+                <a:latin typeface="HGP創英角ｺﾞｼｯｸUB" pitchFamily="50" charset="-128"/>
+                <a:ea typeface="HGP創英角ｺﾞｼｯｸUB" pitchFamily="50" charset="-128"/>
               </a:rPr>
               <a:t>解析</a:t>
             </a:r>
@@ -4738,8 +4735,8 @@
         </p:nvSpPr>
         <p:spPr bwMode="auto">
           <a:xfrm>
-            <a:off x="2411760" y="3026668"/>
-            <a:ext cx="792088" cy="648072"/>
+            <a:off x="2339752" y="3026668"/>
+            <a:ext cx="864096" cy="648072"/>
           </a:xfrm>
           <a:prstGeom prst="ellipse">
             <a:avLst/>
@@ -4774,41 +4771,41 @@
           <a:p>
             <a:pPr algn="ctr"/>
             <a:r>
-              <a:rPr kumimoji="1" lang="ja-JP" altLang="en-US" sz="1050" b="1" dirty="0" smtClean="0">
+              <a:rPr kumimoji="1" lang="ja-JP" altLang="en-US" sz="1200" dirty="0" smtClean="0">
                 <a:solidFill>
                   <a:schemeClr val="tx1"/>
                 </a:solidFill>
-                <a:latin typeface="Verdana" pitchFamily="34" charset="0"/>
-                <a:ea typeface="ＭＳ Ｐゴシック" pitchFamily="50" charset="-128"/>
+                <a:latin typeface="HGP創英角ｺﾞｼｯｸUB" pitchFamily="50" charset="-128"/>
+                <a:ea typeface="HGP創英角ｺﾞｼｯｸUB" pitchFamily="50" charset="-128"/>
               </a:rPr>
               <a:t>データ</a:t>
             </a:r>
             <a:r>
-              <a:rPr kumimoji="1" lang="en-US" altLang="ja-JP" sz="1050" b="1" dirty="0" smtClean="0">
+              <a:rPr kumimoji="1" lang="en-US" altLang="ja-JP" sz="1200" dirty="0" smtClean="0">
                 <a:solidFill>
                   <a:schemeClr val="tx1"/>
                 </a:solidFill>
-                <a:latin typeface="Verdana" pitchFamily="34" charset="0"/>
-                <a:ea typeface="ＭＳ Ｐゴシック" pitchFamily="50" charset="-128"/>
+                <a:latin typeface="HGP創英角ｺﾞｼｯｸUB" pitchFamily="50" charset="-128"/>
+                <a:ea typeface="HGP創英角ｺﾞｼｯｸUB" pitchFamily="50" charset="-128"/>
               </a:rPr>
               <a:t/>
             </a:r>
             <a:br>
-              <a:rPr kumimoji="1" lang="en-US" altLang="ja-JP" sz="1050" b="1" dirty="0" smtClean="0">
+              <a:rPr kumimoji="1" lang="en-US" altLang="ja-JP" sz="1200" dirty="0" smtClean="0">
                 <a:solidFill>
                   <a:schemeClr val="tx1"/>
                 </a:solidFill>
-                <a:latin typeface="Verdana" pitchFamily="34" charset="0"/>
-                <a:ea typeface="ＭＳ Ｐゴシック" pitchFamily="50" charset="-128"/>
+                <a:latin typeface="HGP創英角ｺﾞｼｯｸUB" pitchFamily="50" charset="-128"/>
+                <a:ea typeface="HGP創英角ｺﾞｼｯｸUB" pitchFamily="50" charset="-128"/>
               </a:rPr>
             </a:br>
             <a:r>
-              <a:rPr kumimoji="1" lang="ja-JP" altLang="en-US" sz="1050" b="1" dirty="0" smtClean="0">
+              <a:rPr kumimoji="1" lang="ja-JP" altLang="en-US" sz="1200" dirty="0" smtClean="0">
                 <a:solidFill>
                   <a:schemeClr val="tx1"/>
                 </a:solidFill>
-                <a:latin typeface="Verdana" pitchFamily="34" charset="0"/>
-                <a:ea typeface="ＭＳ Ｐゴシック" pitchFamily="50" charset="-128"/>
+                <a:latin typeface="HGP創英角ｺﾞｼｯｸUB" pitchFamily="50" charset="-128"/>
+                <a:ea typeface="HGP創英角ｺﾞｼｯｸUB" pitchFamily="50" charset="-128"/>
               </a:rPr>
               <a:t>取得</a:t>
             </a:r>
@@ -4860,17 +4857,21 @@
           <a:lstStyle/>
           <a:p>
             <a:r>
-              <a:rPr kumimoji="1" lang="ja-JP" altLang="en-US" sz="1200" b="1" dirty="0" smtClean="0">
+              <a:rPr kumimoji="1" lang="ja-JP" altLang="en-US" sz="1200" dirty="0" smtClean="0">
                 <a:solidFill>
                   <a:schemeClr val="tx1"/>
                 </a:solidFill>
+                <a:latin typeface="HGP創英角ｺﾞｼｯｸUB" pitchFamily="50" charset="-128"/>
+                <a:ea typeface="HGP創英角ｺﾞｼｯｸUB" pitchFamily="50" charset="-128"/>
               </a:rPr>
               <a:t>評価ストリーム</a:t>
             </a:r>
-            <a:endParaRPr kumimoji="1" lang="ja-JP" altLang="en-US" sz="1200" b="1" dirty="0">
+            <a:endParaRPr kumimoji="1" lang="ja-JP" altLang="en-US" sz="1200" dirty="0">
               <a:solidFill>
                 <a:schemeClr val="tx1"/>
               </a:solidFill>
+              <a:latin typeface="HGP創英角ｺﾞｼｯｸUB" pitchFamily="50" charset="-128"/>
+              <a:ea typeface="HGP創英角ｺﾞｼｯｸUB" pitchFamily="50" charset="-128"/>
             </a:endParaRPr>
           </a:p>
         </p:txBody>
@@ -4921,22 +4922,15 @@
           <a:p>
             <a:pPr algn="ctr"/>
             <a:r>
-              <a:rPr kumimoji="1" lang="ja-JP" altLang="en-US" sz="1050" b="1" dirty="0" smtClean="0">
+              <a:rPr kumimoji="1" lang="ja-JP" altLang="en-US" sz="1200" dirty="0" smtClean="0">
                 <a:solidFill>
                   <a:schemeClr val="tx1"/>
                 </a:solidFill>
-                <a:latin typeface="Verdana" pitchFamily="34" charset="0"/>
-                <a:ea typeface="ＭＳ Ｐゴシック" pitchFamily="50" charset="-128"/>
+                <a:latin typeface="HGP創英角ｺﾞｼｯｸUB" pitchFamily="50" charset="-128"/>
+                <a:ea typeface="HGP創英角ｺﾞｼｯｸUB" pitchFamily="50" charset="-128"/>
               </a:rPr>
               <a:t>解析</a:t>
             </a:r>
-            <a:endParaRPr kumimoji="1" lang="ja-JP" altLang="en-US" sz="1050" b="1" dirty="0" smtClean="0">
-              <a:solidFill>
-                <a:schemeClr val="tx1"/>
-              </a:solidFill>
-              <a:latin typeface="Verdana" pitchFamily="34" charset="0"/>
-              <a:ea typeface="ＭＳ Ｐゴシック" pitchFamily="50" charset="-128"/>
-            </a:endParaRPr>
           </a:p>
         </p:txBody>
       </p:sp>
@@ -4986,12 +4980,12 @@
           <a:p>
             <a:pPr algn="ctr"/>
             <a:r>
-              <a:rPr lang="ja-JP" altLang="en-US" sz="1050" b="1" dirty="0" smtClean="0">
+              <a:rPr lang="ja-JP" altLang="en-US" sz="1200" dirty="0" smtClean="0">
                 <a:solidFill>
                   <a:schemeClr val="tx1"/>
                 </a:solidFill>
-                <a:latin typeface="Verdana" pitchFamily="34" charset="0"/>
-                <a:ea typeface="ＭＳ Ｐゴシック" pitchFamily="50" charset="-128"/>
+                <a:latin typeface="HGP創英角ｺﾞｼｯｸUB" pitchFamily="50" charset="-128"/>
+                <a:ea typeface="HGP創英角ｺﾞｼｯｸUB" pitchFamily="50" charset="-128"/>
               </a:rPr>
               <a:t>解析</a:t>
             </a:r>
@@ -5044,12 +5038,12 @@
           <a:p>
             <a:pPr algn="ctr"/>
             <a:r>
-              <a:rPr lang="ja-JP" altLang="en-US" sz="1050" b="1" dirty="0" smtClean="0">
+              <a:rPr lang="ja-JP" altLang="en-US" sz="1200" dirty="0" smtClean="0">
                 <a:solidFill>
                   <a:schemeClr val="tx1"/>
                 </a:solidFill>
-                <a:latin typeface="Verdana" pitchFamily="34" charset="0"/>
-                <a:ea typeface="ＭＳ Ｐゴシック" pitchFamily="50" charset="-128"/>
+                <a:latin typeface="HGP創英角ｺﾞｼｯｸUB" pitchFamily="50" charset="-128"/>
+                <a:ea typeface="HGP創英角ｺﾞｼｯｸUB" pitchFamily="50" charset="-128"/>
               </a:rPr>
               <a:t>解析</a:t>
             </a:r>
@@ -5102,12 +5096,12 @@
           <a:p>
             <a:pPr algn="ctr"/>
             <a:r>
-              <a:rPr lang="ja-JP" altLang="en-US" sz="1050" b="1" dirty="0" smtClean="0">
+              <a:rPr lang="ja-JP" altLang="en-US" sz="1200" dirty="0" smtClean="0">
                 <a:solidFill>
                   <a:schemeClr val="tx1"/>
                 </a:solidFill>
-                <a:latin typeface="Verdana" pitchFamily="34" charset="0"/>
-                <a:ea typeface="ＭＳ Ｐゴシック" pitchFamily="50" charset="-128"/>
+                <a:latin typeface="HGP創英角ｺﾞｼｯｸUB" pitchFamily="50" charset="-128"/>
+                <a:ea typeface="HGP創英角ｺﾞｼｯｸUB" pitchFamily="50" charset="-128"/>
               </a:rPr>
               <a:t>解析</a:t>
             </a:r>
@@ -5306,48 +5300,6 @@
           <a:effectLst/>
         </p:spPr>
       </p:cxnSp>
-      <p:sp>
-        <p:nvSpPr>
-          <p:cNvPr id="141" name="右カーブ矢印 140"/>
-          <p:cNvSpPr/>
-          <p:nvPr/>
-        </p:nvSpPr>
-        <p:spPr>
-          <a:xfrm rot="19772649">
-            <a:off x="1397138" y="1809128"/>
-            <a:ext cx="868339" cy="576064"/>
-          </a:xfrm>
-          <a:prstGeom prst="curvedRightArrow">
-            <a:avLst/>
-          </a:prstGeom>
-        </p:spPr>
-        <p:style>
-          <a:lnRef idx="1">
-            <a:schemeClr val="accent4"/>
-          </a:lnRef>
-          <a:fillRef idx="3">
-            <a:schemeClr val="accent4"/>
-          </a:fillRef>
-          <a:effectRef idx="2">
-            <a:schemeClr val="accent4"/>
-          </a:effectRef>
-          <a:fontRef idx="minor">
-            <a:schemeClr val="lt1"/>
-          </a:fontRef>
-        </p:style>
-        <p:txBody>
-          <a:bodyPr rtlCol="0" anchor="ctr"/>
-          <a:lstStyle/>
-          <a:p>
-            <a:pPr algn="ctr"/>
-            <a:endParaRPr kumimoji="1" lang="ja-JP" altLang="en-US">
-              <a:solidFill>
-                <a:schemeClr val="tx1"/>
-              </a:solidFill>
-            </a:endParaRPr>
-          </a:p>
-        </p:txBody>
-      </p:sp>
       <p:pic>
         <p:nvPicPr>
           <p:cNvPr id="142" name="Picture 22"/>
@@ -5569,17 +5521,7 @@
                 <a:latin typeface="Arial" pitchFamily="34" charset="0"/>
                 <a:ea typeface="HGP創英角ｺﾞｼｯｸUB" panose="020B0900000000000000" pitchFamily="50" charset="-128"/>
               </a:rPr>
-              <a:t>In-Memory </a:t>
-            </a:r>
-            <a:r>
-              <a:rPr lang="en-US" altLang="ja-JP" sz="1400" b="1" dirty="0" smtClean="0">
-                <a:solidFill>
-                  <a:schemeClr val="tx1"/>
-                </a:solidFill>
-                <a:latin typeface="Arial" pitchFamily="34" charset="0"/>
-                <a:ea typeface="HGP創英角ｺﾞｼｯｸUB" panose="020B0900000000000000" pitchFamily="50" charset="-128"/>
-              </a:rPr>
-              <a:t>DB</a:t>
+              <a:t>In-Memory DB</a:t>
             </a:r>
             <a:r>
               <a:rPr lang="ja-JP" altLang="en-US" sz="1400" b="1" dirty="0" smtClean="0">
@@ -6055,21 +5997,7 @@
                 <a:latin typeface="HGP創英角ｺﾞｼｯｸUB" pitchFamily="50" charset="-128"/>
                 <a:ea typeface="HGP創英角ｺﾞｼｯｸUB" pitchFamily="50" charset="-128"/>
               </a:rPr>
-              <a:t>学習</a:t>
-            </a:r>
-            <a:r>
-              <a:rPr lang="ja-JP" altLang="en-US" sz="1200" dirty="0" smtClean="0">
-                <a:latin typeface="HGP創英角ｺﾞｼｯｸUB" pitchFamily="50" charset="-128"/>
-                <a:ea typeface="HGP創英角ｺﾞｼｯｸUB" pitchFamily="50" charset="-128"/>
-              </a:rPr>
-              <a:t>結果</a:t>
-            </a:r>
-            <a:r>
-              <a:rPr lang="ja-JP" altLang="en-US" sz="1200" dirty="0" smtClean="0">
-                <a:latin typeface="HGP創英角ｺﾞｼｯｸUB" pitchFamily="50" charset="-128"/>
-                <a:ea typeface="HGP創英角ｺﾞｼｯｸUB" pitchFamily="50" charset="-128"/>
-              </a:rPr>
-              <a:t>のオンライン更新</a:t>
+              <a:t>学習結果のオンライン更新</a:t>
             </a:r>
             <a:endParaRPr kumimoji="1" lang="ja-JP" altLang="en-US" sz="1200" dirty="0">
               <a:latin typeface="HGP創英角ｺﾞｼｯｸUB" pitchFamily="50" charset="-128"/>
@@ -6160,13 +6088,6 @@
               </a:rPr>
               <a:t>ストア</a:t>
             </a:r>
-            <a:endParaRPr kumimoji="1" lang="ja-JP" altLang="en-US" sz="1200" dirty="0" smtClean="0">
-              <a:solidFill>
-                <a:schemeClr val="tx1"/>
-              </a:solidFill>
-              <a:latin typeface="HGP創英角ｺﾞｼｯｸUB" panose="020B0900000000000000" pitchFamily="50" charset="-128"/>
-              <a:ea typeface="HGP創英角ｺﾞｼｯｸUB" panose="020B0900000000000000" pitchFamily="50" charset="-128"/>
-            </a:endParaRPr>
           </a:p>
         </p:txBody>
       </p:sp>
@@ -6336,8 +6257,8 @@
           <p:nvPr/>
         </p:nvSpPr>
         <p:spPr>
-          <a:xfrm rot="1120411">
-            <a:off x="1402047" y="2904776"/>
+          <a:xfrm>
+            <a:off x="1145281" y="2348880"/>
             <a:ext cx="868339" cy="576064"/>
           </a:xfrm>
           <a:prstGeom prst="curvedRightArrow">
@@ -6383,7 +6304,7 @@
           <a:blip r:embed="rId5" cstate="print">
             <a:extLst>
               <a:ext uri="{28A0092B-C50C-407E-A947-70E740481C1C}">
-                <a14:useLocalDpi xmlns:a14="http://schemas.microsoft.com/office/drawing/2010/main" xmlns="" val="0"/>
+                <a14:useLocalDpi xmlns="" xmlns:a14="http://schemas.microsoft.com/office/drawing/2010/main" val="0"/>
               </a:ext>
             </a:extLst>
           </a:blip>
@@ -6403,7 +6324,7 @@
           <a:noFill/>
           <a:extLst>
             <a:ext uri="{909E8E84-426E-40DD-AFC4-6F175D3DCCD1}">
-              <a14:hiddenFill xmlns:a14="http://schemas.microsoft.com/office/drawing/2010/main" xmlns="">
+              <a14:hiddenFill xmlns="" xmlns:a14="http://schemas.microsoft.com/office/drawing/2010/main">
                 <a:solidFill>
                   <a:srgbClr val="FFFFFF"/>
                 </a:solidFill>
@@ -6510,7 +6431,7 @@
     </p:spTree>
     <p:extLst>
       <p:ext uri="{BB962C8B-B14F-4D97-AF65-F5344CB8AC3E}">
-        <p14:creationId xmlns:p14="http://schemas.microsoft.com/office/powerpoint/2010/main" xmlns="" val="888553644"/>
+        <p14:creationId xmlns="" xmlns:p14="http://schemas.microsoft.com/office/powerpoint/2010/main" val="888553644"/>
       </p:ext>
     </p:extLst>
   </p:cSld>
